--- a/HackathonTeam.pptx
+++ b/HackathonTeam.pptx
@@ -5,7 +5,7 @@
     <p:sldMasterId id="2147483648" r:id="rId1"/>
   </p:sldMasterIdLst>
   <p:notesMasterIdLst>
-    <p:notesMasterId r:id="rId14"/>
+    <p:notesMasterId r:id="rId15"/>
   </p:notesMasterIdLst>
   <p:sldIdLst>
     <p:sldId id="256" r:id="rId2"/>
@@ -14,12 +14,13 @@
     <p:sldId id="272" r:id="rId5"/>
     <p:sldId id="273" r:id="rId6"/>
     <p:sldId id="267" r:id="rId7"/>
-    <p:sldId id="266" r:id="rId8"/>
-    <p:sldId id="270" r:id="rId9"/>
-    <p:sldId id="265" r:id="rId10"/>
-    <p:sldId id="264" r:id="rId11"/>
-    <p:sldId id="271" r:id="rId12"/>
-    <p:sldId id="274" r:id="rId13"/>
+    <p:sldId id="275" r:id="rId8"/>
+    <p:sldId id="266" r:id="rId9"/>
+    <p:sldId id="270" r:id="rId10"/>
+    <p:sldId id="265" r:id="rId11"/>
+    <p:sldId id="264" r:id="rId12"/>
+    <p:sldId id="271" r:id="rId13"/>
+    <p:sldId id="274" r:id="rId14"/>
   </p:sldIdLst>
   <p:sldSz cx="12192000" cy="6858000"/>
   <p:notesSz cx="6858000" cy="9144000"/>
@@ -208,7 +209,7 @@
           <a:p>
             <a:fld id="{50695FFE-B66B-F848-95E2-CE2BDD91ED9C}" type="datetimeFigureOut">
               <a:rPr lang="en-US" smtClean="0"/>
-              <a:t>7/27/23</a:t>
+              <a:t>7/28/2023</a:t>
             </a:fld>
             <a:endParaRPr lang="en-US"/>
           </a:p>
@@ -625,7 +626,7 @@
           <a:p>
             <a:fld id="{A4A099D3-835C-2C48-8D4B-0D13ACBCB2C0}" type="slidenum">
               <a:rPr lang="en-US" smtClean="0"/>
-              <a:t>10</a:t>
+              <a:t>11</a:t>
             </a:fld>
             <a:endParaRPr lang="en-US"/>
           </a:p>
@@ -709,7 +710,7 @@
           <a:p>
             <a:fld id="{A4A099D3-835C-2C48-8D4B-0D13ACBCB2C0}" type="slidenum">
               <a:rPr lang="en-US" smtClean="0"/>
-              <a:t>11</a:t>
+              <a:t>12</a:t>
             </a:fld>
             <a:endParaRPr lang="en-US"/>
           </a:p>
@@ -877,7 +878,7 @@
           <a:p>
             <a:fld id="{7C7A9C5E-29BF-A14E-9F0E-443C3AA58823}" type="datetimeFigureOut">
               <a:rPr lang="en-US" smtClean="0"/>
-              <a:t>7/27/23</a:t>
+              <a:t>7/28/2023</a:t>
             </a:fld>
             <a:endParaRPr lang="en-US"/>
           </a:p>
@@ -1077,7 +1078,7 @@
           <a:p>
             <a:fld id="{7C7A9C5E-29BF-A14E-9F0E-443C3AA58823}" type="datetimeFigureOut">
               <a:rPr lang="en-US" smtClean="0"/>
-              <a:t>7/27/23</a:t>
+              <a:t>7/28/2023</a:t>
             </a:fld>
             <a:endParaRPr lang="en-US"/>
           </a:p>
@@ -1287,7 +1288,7 @@
           <a:p>
             <a:fld id="{7C7A9C5E-29BF-A14E-9F0E-443C3AA58823}" type="datetimeFigureOut">
               <a:rPr lang="en-US" smtClean="0"/>
-              <a:t>7/27/23</a:t>
+              <a:t>7/28/2023</a:t>
             </a:fld>
             <a:endParaRPr lang="en-US"/>
           </a:p>
@@ -1487,7 +1488,7 @@
           <a:p>
             <a:fld id="{7C7A9C5E-29BF-A14E-9F0E-443C3AA58823}" type="datetimeFigureOut">
               <a:rPr lang="en-US" smtClean="0"/>
-              <a:t>7/27/23</a:t>
+              <a:t>7/28/2023</a:t>
             </a:fld>
             <a:endParaRPr lang="en-US"/>
           </a:p>
@@ -1763,7 +1764,7 @@
           <a:p>
             <a:fld id="{7C7A9C5E-29BF-A14E-9F0E-443C3AA58823}" type="datetimeFigureOut">
               <a:rPr lang="en-US" smtClean="0"/>
-              <a:t>7/27/23</a:t>
+              <a:t>7/28/2023</a:t>
             </a:fld>
             <a:endParaRPr lang="en-US"/>
           </a:p>
@@ -2031,7 +2032,7 @@
           <a:p>
             <a:fld id="{7C7A9C5E-29BF-A14E-9F0E-443C3AA58823}" type="datetimeFigureOut">
               <a:rPr lang="en-US" smtClean="0"/>
-              <a:t>7/27/23</a:t>
+              <a:t>7/28/2023</a:t>
             </a:fld>
             <a:endParaRPr lang="en-US"/>
           </a:p>
@@ -2446,7 +2447,7 @@
           <a:p>
             <a:fld id="{7C7A9C5E-29BF-A14E-9F0E-443C3AA58823}" type="datetimeFigureOut">
               <a:rPr lang="en-US" smtClean="0"/>
-              <a:t>7/27/23</a:t>
+              <a:t>7/28/2023</a:t>
             </a:fld>
             <a:endParaRPr lang="en-US"/>
           </a:p>
@@ -2588,7 +2589,7 @@
           <a:p>
             <a:fld id="{7C7A9C5E-29BF-A14E-9F0E-443C3AA58823}" type="datetimeFigureOut">
               <a:rPr lang="en-US" smtClean="0"/>
-              <a:t>7/27/23</a:t>
+              <a:t>7/28/2023</a:t>
             </a:fld>
             <a:endParaRPr lang="en-US"/>
           </a:p>
@@ -2701,7 +2702,7 @@
           <a:p>
             <a:fld id="{7C7A9C5E-29BF-A14E-9F0E-443C3AA58823}" type="datetimeFigureOut">
               <a:rPr lang="en-US" smtClean="0"/>
-              <a:t>7/27/23</a:t>
+              <a:t>7/28/2023</a:t>
             </a:fld>
             <a:endParaRPr lang="en-US"/>
           </a:p>
@@ -3014,7 +3015,7 @@
           <a:p>
             <a:fld id="{7C7A9C5E-29BF-A14E-9F0E-443C3AA58823}" type="datetimeFigureOut">
               <a:rPr lang="en-US" smtClean="0"/>
-              <a:t>7/27/23</a:t>
+              <a:t>7/28/2023</a:t>
             </a:fld>
             <a:endParaRPr lang="en-US"/>
           </a:p>
@@ -3303,7 +3304,7 @@
           <a:p>
             <a:fld id="{7C7A9C5E-29BF-A14E-9F0E-443C3AA58823}" type="datetimeFigureOut">
               <a:rPr lang="en-US" smtClean="0"/>
-              <a:t>7/27/23</a:t>
+              <a:t>7/28/2023</a:t>
             </a:fld>
             <a:endParaRPr lang="en-US"/>
           </a:p>
@@ -3546,7 +3547,7 @@
           <a:p>
             <a:fld id="{7C7A9C5E-29BF-A14E-9F0E-443C3AA58823}" type="datetimeFigureOut">
               <a:rPr lang="en-US" smtClean="0"/>
-              <a:t>7/27/23</a:t>
+              <a:t>7/28/2023</a:t>
             </a:fld>
             <a:endParaRPr lang="en-US"/>
           </a:p>
@@ -4037,6 +4038,353 @@
 </file>
 
 <file path=ppt/slides/slide10.xml><?xml version="1.0" encoding="utf-8"?>
+<p:sld xmlns:a="http://schemas.openxmlformats.org/drawingml/2006/main" xmlns:r="http://schemas.openxmlformats.org/officeDocument/2006/relationships" xmlns:p="http://schemas.openxmlformats.org/presentationml/2006/main">
+  <p:cSld>
+    <p:spTree>
+      <p:nvGrpSpPr>
+        <p:cNvPr id="1" name=""/>
+        <p:cNvGrpSpPr/>
+        <p:nvPr/>
+      </p:nvGrpSpPr>
+      <p:grpSpPr>
+        <a:xfrm>
+          <a:off x="0" y="0"/>
+          <a:ext cx="0" cy="0"/>
+          <a:chOff x="0" y="0"/>
+          <a:chExt cx="0" cy="0"/>
+        </a:xfrm>
+      </p:grpSpPr>
+      <p:sp>
+        <p:nvSpPr>
+          <p:cNvPr id="2" name="Title 1">
+            <a:extLst>
+              <a:ext uri="{FF2B5EF4-FFF2-40B4-BE49-F238E27FC236}">
+                <a16:creationId xmlns:a16="http://schemas.microsoft.com/office/drawing/2014/main" id="{39C13EB7-0310-FCEA-B20C-CA7D2BE0AA07}"/>
+              </a:ext>
+            </a:extLst>
+          </p:cNvPr>
+          <p:cNvSpPr>
+            <a:spLocks noGrp="1"/>
+          </p:cNvSpPr>
+          <p:nvPr>
+            <p:ph type="title"/>
+          </p:nvPr>
+        </p:nvSpPr>
+        <p:spPr/>
+        <p:txBody>
+          <a:bodyPr/>
+          <a:lstStyle/>
+          <a:p>
+            <a:r>
+              <a:rPr lang="en-US" dirty="0"/>
+              <a:t>Required Data Sets </a:t>
+            </a:r>
+          </a:p>
+        </p:txBody>
+      </p:sp>
+      <p:graphicFrame>
+        <p:nvGraphicFramePr>
+          <p:cNvPr id="4" name="Table 4">
+            <a:extLst>
+              <a:ext uri="{FF2B5EF4-FFF2-40B4-BE49-F238E27FC236}">
+                <a16:creationId xmlns:a16="http://schemas.microsoft.com/office/drawing/2014/main" id="{2AB04A90-4939-3020-0890-6F6BF6B71781}"/>
+              </a:ext>
+            </a:extLst>
+          </p:cNvPr>
+          <p:cNvGraphicFramePr>
+            <a:graphicFrameLocks noGrp="1"/>
+          </p:cNvGraphicFramePr>
+          <p:nvPr>
+            <p:ph idx="1"/>
+          </p:nvPr>
+        </p:nvGraphicFramePr>
+        <p:xfrm>
+          <a:off x="838200" y="1825625"/>
+          <a:ext cx="10515597" cy="1854200"/>
+        </p:xfrm>
+        <a:graphic>
+          <a:graphicData uri="http://schemas.openxmlformats.org/drawingml/2006/table">
+            <a:tbl>
+              <a:tblPr firstRow="1" bandRow="1">
+                <a:tableStyleId>{5C22544A-7EE6-4342-B048-85BDC9FD1C3A}</a:tableStyleId>
+              </a:tblPr>
+              <a:tblGrid>
+                <a:gridCol w="3505199">
+                  <a:extLst>
+                    <a:ext uri="{9D8B030D-6E8A-4147-A177-3AD203B41FA5}">
+                      <a16:colId xmlns:a16="http://schemas.microsoft.com/office/drawing/2014/main" val="1536017576"/>
+                    </a:ext>
+                  </a:extLst>
+                </a:gridCol>
+                <a:gridCol w="3505199">
+                  <a:extLst>
+                    <a:ext uri="{9D8B030D-6E8A-4147-A177-3AD203B41FA5}">
+                      <a16:colId xmlns:a16="http://schemas.microsoft.com/office/drawing/2014/main" val="1224635500"/>
+                    </a:ext>
+                  </a:extLst>
+                </a:gridCol>
+                <a:gridCol w="3505199">
+                  <a:extLst>
+                    <a:ext uri="{9D8B030D-6E8A-4147-A177-3AD203B41FA5}">
+                      <a16:colId xmlns:a16="http://schemas.microsoft.com/office/drawing/2014/main" val="1382722508"/>
+                    </a:ext>
+                  </a:extLst>
+                </a:gridCol>
+              </a:tblGrid>
+              <a:tr h="370840">
+                <a:tc>
+                  <a:txBody>
+                    <a:bodyPr/>
+                    <a:lstStyle/>
+                    <a:p>
+                      <a:r>
+                        <a:rPr lang="en-SG" sz="1200" b="1" dirty="0">
+                          <a:effectLst/>
+                        </a:rPr>
+                        <a:t>Data Set</a:t>
+                      </a:r>
+                      <a:endParaRPr lang="en-SG" sz="1200" dirty="0">
+                        <a:effectLst/>
+                      </a:endParaRPr>
+                    </a:p>
+                  </a:txBody>
+                  <a:tcPr anchor="ctr"/>
+                </a:tc>
+                <a:tc>
+                  <a:txBody>
+                    <a:bodyPr/>
+                    <a:lstStyle/>
+                    <a:p>
+                      <a:r>
+                        <a:rPr lang="en-SG" sz="1200" b="1">
+                          <a:effectLst/>
+                        </a:rPr>
+                        <a:t>Source of Data</a:t>
+                      </a:r>
+                      <a:endParaRPr lang="en-SG" sz="1200">
+                        <a:effectLst/>
+                      </a:endParaRPr>
+                    </a:p>
+                  </a:txBody>
+                  <a:tcPr anchor="ctr"/>
+                </a:tc>
+                <a:tc>
+                  <a:txBody>
+                    <a:bodyPr/>
+                    <a:lstStyle/>
+                    <a:p>
+                      <a:r>
+                        <a:rPr lang="en-SG" sz="1200" b="1" dirty="0">
+                          <a:effectLst/>
+                        </a:rPr>
+                        <a:t>Do we have access? (Yes/No)</a:t>
+                      </a:r>
+                      <a:endParaRPr lang="en-SG" sz="1200" dirty="0">
+                        <a:effectLst/>
+                      </a:endParaRPr>
+                    </a:p>
+                  </a:txBody>
+                  <a:tcPr anchor="ctr"/>
+                </a:tc>
+                <a:extLst>
+                  <a:ext uri="{0D108BD9-81ED-4DB2-BD59-A6C34878D82A}">
+                    <a16:rowId xmlns:a16="http://schemas.microsoft.com/office/drawing/2014/main" val="2586304010"/>
+                  </a:ext>
+                </a:extLst>
+              </a:tr>
+              <a:tr h="370840">
+                <a:tc>
+                  <a:txBody>
+                    <a:bodyPr/>
+                    <a:lstStyle/>
+                    <a:p>
+                      <a:r>
+                        <a:rPr lang="en-US" dirty="0"/>
+                        <a:t>IBM Technology Products</a:t>
+                      </a:r>
+                    </a:p>
+                  </a:txBody>
+                  <a:tcPr/>
+                </a:tc>
+                <a:tc>
+                  <a:txBody>
+                    <a:bodyPr/>
+                    <a:lstStyle/>
+                    <a:p>
+                      <a:r>
+                        <a:rPr lang="en-US" dirty="0"/>
+                        <a:t>Seismic / IBM Websites </a:t>
+                      </a:r>
+                    </a:p>
+                  </a:txBody>
+                  <a:tcPr/>
+                </a:tc>
+                <a:tc>
+                  <a:txBody>
+                    <a:bodyPr/>
+                    <a:lstStyle/>
+                    <a:p>
+                      <a:r>
+                        <a:rPr lang="en-US" dirty="0"/>
+                        <a:t>Yes </a:t>
+                      </a:r>
+                    </a:p>
+                  </a:txBody>
+                  <a:tcPr/>
+                </a:tc>
+                <a:extLst>
+                  <a:ext uri="{0D108BD9-81ED-4DB2-BD59-A6C34878D82A}">
+                    <a16:rowId xmlns:a16="http://schemas.microsoft.com/office/drawing/2014/main" val="648500817"/>
+                  </a:ext>
+                </a:extLst>
+              </a:tr>
+              <a:tr h="370840">
+                <a:tc>
+                  <a:txBody>
+                    <a:bodyPr/>
+                    <a:lstStyle/>
+                    <a:p>
+                      <a:r>
+                        <a:rPr lang="en-US" dirty="0"/>
+                        <a:t>IBM Redhat Product </a:t>
+                      </a:r>
+                    </a:p>
+                  </a:txBody>
+                  <a:tcPr/>
+                </a:tc>
+                <a:tc>
+                  <a:txBody>
+                    <a:bodyPr/>
+                    <a:lstStyle/>
+                    <a:p>
+                      <a:r>
+                        <a:rPr lang="en-US" dirty="0"/>
+                        <a:t>Redhat Websites </a:t>
+                      </a:r>
+                    </a:p>
+                  </a:txBody>
+                  <a:tcPr/>
+                </a:tc>
+                <a:tc>
+                  <a:txBody>
+                    <a:bodyPr/>
+                    <a:lstStyle/>
+                    <a:p>
+                      <a:r>
+                        <a:rPr lang="en-US" dirty="0"/>
+                        <a:t>Yes </a:t>
+                      </a:r>
+                    </a:p>
+                  </a:txBody>
+                  <a:tcPr/>
+                </a:tc>
+                <a:extLst>
+                  <a:ext uri="{0D108BD9-81ED-4DB2-BD59-A6C34878D82A}">
+                    <a16:rowId xmlns:a16="http://schemas.microsoft.com/office/drawing/2014/main" val="1364641849"/>
+                  </a:ext>
+                </a:extLst>
+              </a:tr>
+              <a:tr h="370840">
+                <a:tc>
+                  <a:txBody>
+                    <a:bodyPr/>
+                    <a:lstStyle/>
+                    <a:p>
+                      <a:r>
+                        <a:rPr lang="en-US" dirty="0"/>
+                        <a:t>RFP Requirements </a:t>
+                      </a:r>
+                    </a:p>
+                  </a:txBody>
+                  <a:tcPr/>
+                </a:tc>
+                <a:tc>
+                  <a:txBody>
+                    <a:bodyPr/>
+                    <a:lstStyle/>
+                    <a:p>
+                      <a:r>
+                        <a:rPr lang="en-US" dirty="0"/>
+                        <a:t>Old Repository of RFP </a:t>
+                      </a:r>
+                    </a:p>
+                  </a:txBody>
+                  <a:tcPr/>
+                </a:tc>
+                <a:tc>
+                  <a:txBody>
+                    <a:bodyPr/>
+                    <a:lstStyle/>
+                    <a:p>
+                      <a:r>
+                        <a:rPr lang="en-US" dirty="0"/>
+                        <a:t>Yes</a:t>
+                      </a:r>
+                    </a:p>
+                  </a:txBody>
+                  <a:tcPr/>
+                </a:tc>
+                <a:extLst>
+                  <a:ext uri="{0D108BD9-81ED-4DB2-BD59-A6C34878D82A}">
+                    <a16:rowId xmlns:a16="http://schemas.microsoft.com/office/drawing/2014/main" val="2104158681"/>
+                  </a:ext>
+                </a:extLst>
+              </a:tr>
+              <a:tr h="370840">
+                <a:tc>
+                  <a:txBody>
+                    <a:bodyPr/>
+                    <a:lstStyle/>
+                    <a:p>
+                      <a:endParaRPr lang="en-US" dirty="0"/>
+                    </a:p>
+                  </a:txBody>
+                  <a:tcPr/>
+                </a:tc>
+                <a:tc>
+                  <a:txBody>
+                    <a:bodyPr/>
+                    <a:lstStyle/>
+                    <a:p>
+                      <a:endParaRPr lang="en-US"/>
+                    </a:p>
+                  </a:txBody>
+                  <a:tcPr/>
+                </a:tc>
+                <a:tc>
+                  <a:txBody>
+                    <a:bodyPr/>
+                    <a:lstStyle/>
+                    <a:p>
+                      <a:endParaRPr lang="en-US" dirty="0"/>
+                    </a:p>
+                  </a:txBody>
+                  <a:tcPr/>
+                </a:tc>
+                <a:extLst>
+                  <a:ext uri="{0D108BD9-81ED-4DB2-BD59-A6C34878D82A}">
+                    <a16:rowId xmlns:a16="http://schemas.microsoft.com/office/drawing/2014/main" val="1130652437"/>
+                  </a:ext>
+                </a:extLst>
+              </a:tr>
+            </a:tbl>
+          </a:graphicData>
+        </a:graphic>
+      </p:graphicFrame>
+    </p:spTree>
+    <p:extLst>
+      <p:ext uri="{BB962C8B-B14F-4D97-AF65-F5344CB8AC3E}">
+        <p14:creationId xmlns:p14="http://schemas.microsoft.com/office/powerpoint/2010/main" val="165866804"/>
+      </p:ext>
+    </p:extLst>
+  </p:cSld>
+  <p:clrMapOvr>
+    <a:masterClrMapping/>
+  </p:clrMapOvr>
+</p:sld>
+</file>
+
+<file path=ppt/slides/slide11.xml><?xml version="1.0" encoding="utf-8"?>
 <p:sld xmlns:a="http://schemas.openxmlformats.org/drawingml/2006/main" xmlns:r="http://schemas.openxmlformats.org/officeDocument/2006/relationships" xmlns:p="http://schemas.openxmlformats.org/presentationml/2006/main">
   <p:cSld>
     <p:spTree>
@@ -4510,7 +4858,7 @@
 </p:sld>
 </file>
 
-<file path=ppt/slides/slide11.xml><?xml version="1.0" encoding="utf-8"?>
+<file path=ppt/slides/slide12.xml><?xml version="1.0" encoding="utf-8"?>
 <p:sld xmlns:a="http://schemas.openxmlformats.org/drawingml/2006/main" xmlns:r="http://schemas.openxmlformats.org/officeDocument/2006/relationships" xmlns:p="http://schemas.openxmlformats.org/presentationml/2006/main">
   <p:cSld>
     <p:spTree>
@@ -4700,7 +5048,7 @@
 </p:sld>
 </file>
 
-<file path=ppt/slides/slide12.xml><?xml version="1.0" encoding="utf-8"?>
+<file path=ppt/slides/slide13.xml><?xml version="1.0" encoding="utf-8"?>
 <p:sld xmlns:a="http://schemas.openxmlformats.org/drawingml/2006/main" xmlns:r="http://schemas.openxmlformats.org/officeDocument/2006/relationships" xmlns:p="http://schemas.openxmlformats.org/presentationml/2006/main">
   <p:cSld>
     <p:spTree>
@@ -5263,7 +5611,12 @@
             <p:ph type="title"/>
           </p:nvPr>
         </p:nvSpPr>
-        <p:spPr/>
+        <p:spPr>
+          <a:xfrm>
+            <a:off x="409832" y="176768"/>
+            <a:ext cx="10515600" cy="1325563"/>
+          </a:xfrm>
+        </p:spPr>
         <p:txBody>
           <a:bodyPr/>
           <a:lstStyle/>
@@ -5307,8 +5660,8 @@
         </p:blipFill>
         <p:spPr>
           <a:xfrm>
-            <a:off x="3956104" y="1825625"/>
-            <a:ext cx="4279791" cy="4351338"/>
+            <a:off x="3534032" y="1396497"/>
+            <a:ext cx="4701863" cy="4780466"/>
           </a:xfrm>
           <a:prstGeom prst="rect">
             <a:avLst/>
@@ -5329,8 +5682,8 @@
         </p:nvSpPr>
         <p:spPr>
           <a:xfrm>
-            <a:off x="683172" y="6444109"/>
-            <a:ext cx="10162077" cy="369332"/>
+            <a:off x="683172" y="6311900"/>
+            <a:ext cx="10169194" cy="369332"/>
           </a:xfrm>
           <a:prstGeom prst="rect">
             <a:avLst/>
@@ -5344,17 +5697,12 @@
           <a:lstStyle/>
           <a:p>
             <a:r>
-              <a:rPr lang="en-US" dirty="0"/>
-              <a:t>https://</a:t>
-            </a:r>
-            <a:r>
-              <a:rPr lang="en-US" dirty="0" err="1"/>
-              <a:t>abvijaykumar.medium.com</a:t>
-            </a:r>
-            <a:r>
-              <a:rPr lang="en-US" dirty="0"/>
-              <a:t>/prompt-engineering-retrieval-augmented-generation-rag-cd63cdc6b00</a:t>
-            </a:r>
+              <a:rPr lang="en-US" dirty="0">
+                <a:hlinkClick r:id="rId4"/>
+              </a:rPr>
+              <a:t>https://abvijaykumar.medium.com/prompt-engineering-retrieval-augmented-generation-rag-cd63cdc6b00</a:t>
+            </a:r>
+            <a:endParaRPr lang="en-US" dirty="0"/>
           </a:p>
         </p:txBody>
       </p:sp>
@@ -6442,10 +6790,179 @@
       </p:grpSpPr>
       <p:sp>
         <p:nvSpPr>
+          <p:cNvPr id="72" name="Rectangle 71">
+            <a:extLst>
+              <a:ext uri="{FF2B5EF4-FFF2-40B4-BE49-F238E27FC236}">
+                <a16:creationId xmlns:a16="http://schemas.microsoft.com/office/drawing/2014/main" id="{AABF3504-5CEA-8063-7586-747B517A31FB}"/>
+              </a:ext>
+            </a:extLst>
+          </p:cNvPr>
+          <p:cNvSpPr/>
+          <p:nvPr/>
+        </p:nvSpPr>
+        <p:spPr>
+          <a:xfrm>
+            <a:off x="623501" y="937169"/>
+            <a:ext cx="3450023" cy="2491831"/>
+          </a:xfrm>
+          <a:prstGeom prst="rect">
+            <a:avLst/>
+          </a:prstGeom>
+          <a:solidFill>
+            <a:schemeClr val="bg1"/>
+          </a:solidFill>
+          <a:ln w="25400">
+            <a:solidFill>
+              <a:schemeClr val="accent1">
+                <a:lumMod val="75000"/>
+              </a:schemeClr>
+            </a:solidFill>
+            <a:prstDash val="lgDash"/>
+          </a:ln>
+        </p:spPr>
+        <p:style>
+          <a:lnRef idx="2">
+            <a:schemeClr val="accent1">
+              <a:shade val="50000"/>
+            </a:schemeClr>
+          </a:lnRef>
+          <a:fillRef idx="1">
+            <a:schemeClr val="accent1"/>
+          </a:fillRef>
+          <a:effectRef idx="0">
+            <a:schemeClr val="accent1"/>
+          </a:effectRef>
+          <a:fontRef idx="minor">
+            <a:schemeClr val="lt1"/>
+          </a:fontRef>
+        </p:style>
+        <p:txBody>
+          <a:bodyPr rtlCol="0" anchor="ctr"/>
+          <a:lstStyle/>
+          <a:p>
+            <a:pPr algn="ctr"/>
+            <a:endParaRPr lang="en-SG"/>
+          </a:p>
+        </p:txBody>
+      </p:sp>
+      <p:sp>
+        <p:nvSpPr>
+          <p:cNvPr id="69" name="Rectangle 68">
+            <a:extLst>
+              <a:ext uri="{FF2B5EF4-FFF2-40B4-BE49-F238E27FC236}">
+                <a16:creationId xmlns:a16="http://schemas.microsoft.com/office/drawing/2014/main" id="{5BF0074E-C7DB-00EC-7483-40E06BB47FAD}"/>
+              </a:ext>
+            </a:extLst>
+          </p:cNvPr>
+          <p:cNvSpPr/>
+          <p:nvPr/>
+        </p:nvSpPr>
+        <p:spPr>
+          <a:xfrm>
+            <a:off x="790781" y="3958635"/>
+            <a:ext cx="3450023" cy="2414010"/>
+          </a:xfrm>
+          <a:prstGeom prst="rect">
+            <a:avLst/>
+          </a:prstGeom>
+          <a:solidFill>
+            <a:schemeClr val="bg1"/>
+          </a:solidFill>
+          <a:ln w="25400">
+            <a:solidFill>
+              <a:srgbClr val="00B050"/>
+            </a:solidFill>
+            <a:prstDash val="lgDash"/>
+          </a:ln>
+        </p:spPr>
+        <p:style>
+          <a:lnRef idx="2">
+            <a:schemeClr val="accent1">
+              <a:shade val="50000"/>
+            </a:schemeClr>
+          </a:lnRef>
+          <a:fillRef idx="1">
+            <a:schemeClr val="accent1"/>
+          </a:fillRef>
+          <a:effectRef idx="0">
+            <a:schemeClr val="accent1"/>
+          </a:effectRef>
+          <a:fontRef idx="minor">
+            <a:schemeClr val="lt1"/>
+          </a:fontRef>
+        </p:style>
+        <p:txBody>
+          <a:bodyPr rtlCol="0" anchor="ctr"/>
+          <a:lstStyle/>
+          <a:p>
+            <a:pPr algn="ctr"/>
+            <a:endParaRPr lang="en-SG"/>
+          </a:p>
+        </p:txBody>
+      </p:sp>
+      <p:sp>
+        <p:nvSpPr>
+          <p:cNvPr id="67" name="Rectangle 66">
+            <a:extLst>
+              <a:ext uri="{FF2B5EF4-FFF2-40B4-BE49-F238E27FC236}">
+                <a16:creationId xmlns:a16="http://schemas.microsoft.com/office/drawing/2014/main" id="{DA4FBFEC-9912-E674-E2E7-61026B75CBE3}"/>
+              </a:ext>
+            </a:extLst>
+          </p:cNvPr>
+          <p:cNvSpPr/>
+          <p:nvPr/>
+        </p:nvSpPr>
+        <p:spPr>
+          <a:xfrm>
+            <a:off x="7572587" y="1178113"/>
+            <a:ext cx="3450023" cy="2414010"/>
+          </a:xfrm>
+          <a:prstGeom prst="rect">
+            <a:avLst/>
+          </a:prstGeom>
+          <a:solidFill>
+            <a:schemeClr val="bg1"/>
+          </a:solidFill>
+          <a:ln w="25400">
+            <a:solidFill>
+              <a:schemeClr val="accent2">
+                <a:lumMod val="75000"/>
+              </a:schemeClr>
+            </a:solidFill>
+            <a:prstDash val="lgDash"/>
+          </a:ln>
+        </p:spPr>
+        <p:style>
+          <a:lnRef idx="2">
+            <a:schemeClr val="accent1">
+              <a:shade val="50000"/>
+            </a:schemeClr>
+          </a:lnRef>
+          <a:fillRef idx="1">
+            <a:schemeClr val="accent1"/>
+          </a:fillRef>
+          <a:effectRef idx="0">
+            <a:schemeClr val="accent1"/>
+          </a:effectRef>
+          <a:fontRef idx="minor">
+            <a:schemeClr val="lt1"/>
+          </a:fontRef>
+        </p:style>
+        <p:txBody>
+          <a:bodyPr rtlCol="0" anchor="ctr"/>
+          <a:lstStyle/>
+          <a:p>
+            <a:pPr algn="ctr"/>
+            <a:endParaRPr lang="en-SG"/>
+          </a:p>
+        </p:txBody>
+      </p:sp>
+      <p:sp>
+        <p:nvSpPr>
           <p:cNvPr id="2" name="Title 1">
             <a:extLst>
               <a:ext uri="{FF2B5EF4-FFF2-40B4-BE49-F238E27FC236}">
-                <a16:creationId xmlns:a16="http://schemas.microsoft.com/office/drawing/2014/main" id="{412BBDBD-55EA-6F8E-BF93-1661033BD4A3}"/>
+                <a16:creationId xmlns:a16="http://schemas.microsoft.com/office/drawing/2014/main" id="{4246B36D-2868-9DE7-CF52-21363C674F2C}"/>
               </a:ext>
             </a:extLst>
           </p:cNvPr>
@@ -6456,66 +6973,2002 @@
             <p:ph type="title"/>
           </p:nvPr>
         </p:nvSpPr>
-        <p:spPr/>
-        <p:txBody>
-          <a:bodyPr/>
-          <a:lstStyle/>
-          <a:p>
-            <a:r>
-              <a:rPr lang="en-US" dirty="0"/>
-              <a:t>Solution Components </a:t>
-            </a:r>
-          </a:p>
-        </p:txBody>
-      </p:sp>
-      <p:sp>
-        <p:nvSpPr>
-          <p:cNvPr id="3" name="Content Placeholder 2">
-            <a:extLst>
-              <a:ext uri="{FF2B5EF4-FFF2-40B4-BE49-F238E27FC236}">
-                <a16:creationId xmlns:a16="http://schemas.microsoft.com/office/drawing/2014/main" id="{446C5369-FCDF-55FC-5BC8-49F4E122F4D6}"/>
-              </a:ext>
-            </a:extLst>
-          </p:cNvPr>
-          <p:cNvSpPr>
-            <a:spLocks noGrp="1"/>
-          </p:cNvSpPr>
-          <p:nvPr>
-            <p:ph idx="1"/>
-          </p:nvPr>
-        </p:nvSpPr>
-        <p:spPr/>
-        <p:txBody>
-          <a:bodyPr/>
-          <a:lstStyle/>
-          <a:p>
-            <a:r>
-              <a:rPr lang="en-US" dirty="0"/>
-              <a:t>Github</a:t>
-            </a:r>
-          </a:p>
-          <a:p>
-            <a:r>
-              <a:rPr lang="en-US" dirty="0"/>
-              <a:t>WatsonX.AI  large language Models </a:t>
-            </a:r>
-          </a:p>
-          <a:p>
-            <a:r>
-              <a:rPr lang="en-US" dirty="0"/>
-              <a:t>IBM Openshift with Python runtime</a:t>
-            </a:r>
-          </a:p>
-          <a:p>
-            <a:r>
-              <a:rPr lang="en-US" dirty="0"/>
-              <a:t>Vector Database Chromadb</a:t>
-            </a:r>
-          </a:p>
-          <a:p>
-            <a:r>
-              <a:rPr lang="en-US" dirty="0"/>
-              <a:t>Watson Assistant  </a:t>
+        <p:spPr>
+          <a:xfrm>
+            <a:off x="691896" y="181189"/>
+            <a:ext cx="10515600" cy="499848"/>
+          </a:xfrm>
+        </p:spPr>
+        <p:txBody>
+          <a:bodyPr>
+            <a:normAutofit/>
+          </a:bodyPr>
+          <a:lstStyle/>
+          <a:p>
+            <a:r>
+              <a:rPr lang="en-SG" sz="2400" b="1" dirty="0"/>
+              <a:t>Candidate Architecture Overview: Uses RAG Pattern</a:t>
+            </a:r>
+          </a:p>
+        </p:txBody>
+      </p:sp>
+      <p:sp>
+        <p:nvSpPr>
+          <p:cNvPr id="6" name="Rectangle 5">
+            <a:extLst>
+              <a:ext uri="{FF2B5EF4-FFF2-40B4-BE49-F238E27FC236}">
+                <a16:creationId xmlns:a16="http://schemas.microsoft.com/office/drawing/2014/main" id="{DF44BFAE-4279-9854-DF40-53B37E096024}"/>
+              </a:ext>
+            </a:extLst>
+          </p:cNvPr>
+          <p:cNvSpPr/>
+          <p:nvPr/>
+        </p:nvSpPr>
+        <p:spPr>
+          <a:xfrm>
+            <a:off x="2786132" y="4488984"/>
+            <a:ext cx="1188720" cy="676656"/>
+          </a:xfrm>
+          <a:prstGeom prst="rect">
+            <a:avLst/>
+          </a:prstGeom>
+          <a:solidFill>
+            <a:schemeClr val="bg1"/>
+          </a:solidFill>
+        </p:spPr>
+        <p:style>
+          <a:lnRef idx="2">
+            <a:schemeClr val="accent1">
+              <a:shade val="50000"/>
+            </a:schemeClr>
+          </a:lnRef>
+          <a:fillRef idx="1">
+            <a:schemeClr val="accent1"/>
+          </a:fillRef>
+          <a:effectRef idx="0">
+            <a:schemeClr val="accent1"/>
+          </a:effectRef>
+          <a:fontRef idx="minor">
+            <a:schemeClr val="lt1"/>
+          </a:fontRef>
+        </p:style>
+        <p:txBody>
+          <a:bodyPr rtlCol="0" anchor="ctr"/>
+          <a:lstStyle/>
+          <a:p>
+            <a:pPr algn="ctr"/>
+            <a:r>
+              <a:rPr lang="en-SG" sz="1000" b="1" dirty="0">
+                <a:solidFill>
+                  <a:schemeClr val="tx1"/>
+                </a:solidFill>
+              </a:rPr>
+              <a:t>Watson Assistant</a:t>
+            </a:r>
+          </a:p>
+        </p:txBody>
+      </p:sp>
+      <p:sp>
+        <p:nvSpPr>
+          <p:cNvPr id="7" name="Rectangle 6">
+            <a:extLst>
+              <a:ext uri="{FF2B5EF4-FFF2-40B4-BE49-F238E27FC236}">
+                <a16:creationId xmlns:a16="http://schemas.microsoft.com/office/drawing/2014/main" id="{D662B8B9-CF5B-A690-0B55-91EB7153CD9F}"/>
+              </a:ext>
+            </a:extLst>
+          </p:cNvPr>
+          <p:cNvSpPr/>
+          <p:nvPr/>
+        </p:nvSpPr>
+        <p:spPr>
+          <a:xfrm>
+            <a:off x="4877060" y="4488984"/>
+            <a:ext cx="1188720" cy="676656"/>
+          </a:xfrm>
+          <a:prstGeom prst="rect">
+            <a:avLst/>
+          </a:prstGeom>
+          <a:solidFill>
+            <a:schemeClr val="bg1"/>
+          </a:solidFill>
+        </p:spPr>
+        <p:style>
+          <a:lnRef idx="2">
+            <a:schemeClr val="accent1">
+              <a:shade val="50000"/>
+            </a:schemeClr>
+          </a:lnRef>
+          <a:fillRef idx="1">
+            <a:schemeClr val="accent1"/>
+          </a:fillRef>
+          <a:effectRef idx="0">
+            <a:schemeClr val="accent1"/>
+          </a:effectRef>
+          <a:fontRef idx="minor">
+            <a:schemeClr val="lt1"/>
+          </a:fontRef>
+        </p:style>
+        <p:txBody>
+          <a:bodyPr rtlCol="0" anchor="ctr"/>
+          <a:lstStyle/>
+          <a:p>
+            <a:pPr algn="ctr"/>
+            <a:r>
+              <a:rPr lang="en-SG" sz="1200" b="1" dirty="0">
+                <a:solidFill>
+                  <a:schemeClr val="tx1"/>
+                </a:solidFill>
+              </a:rPr>
+              <a:t>Extension</a:t>
+            </a:r>
+          </a:p>
+        </p:txBody>
+      </p:sp>
+      <p:cxnSp>
+        <p:nvCxnSpPr>
+          <p:cNvPr id="9" name="Straight Arrow Connector 8">
+            <a:extLst>
+              <a:ext uri="{FF2B5EF4-FFF2-40B4-BE49-F238E27FC236}">
+                <a16:creationId xmlns:a16="http://schemas.microsoft.com/office/drawing/2014/main" id="{7CA3785D-C0B3-0D09-6916-F9CBF51EA7E4}"/>
+              </a:ext>
+            </a:extLst>
+          </p:cNvPr>
+          <p:cNvCxnSpPr>
+            <a:cxnSpLocks/>
+          </p:cNvCxnSpPr>
+          <p:nvPr/>
+        </p:nvCxnSpPr>
+        <p:spPr>
+          <a:xfrm>
+            <a:off x="6065780" y="4643924"/>
+            <a:ext cx="1768774" cy="0"/>
+          </a:xfrm>
+          <a:prstGeom prst="straightConnector1">
+            <a:avLst/>
+          </a:prstGeom>
+          <a:ln>
+            <a:tailEnd type="triangle"/>
+          </a:ln>
+        </p:spPr>
+        <p:style>
+          <a:lnRef idx="1">
+            <a:schemeClr val="accent1"/>
+          </a:lnRef>
+          <a:fillRef idx="0">
+            <a:schemeClr val="accent1"/>
+          </a:fillRef>
+          <a:effectRef idx="0">
+            <a:schemeClr val="accent1"/>
+          </a:effectRef>
+          <a:fontRef idx="minor">
+            <a:schemeClr val="tx1"/>
+          </a:fontRef>
+        </p:style>
+      </p:cxnSp>
+      <p:cxnSp>
+        <p:nvCxnSpPr>
+          <p:cNvPr id="11" name="Straight Arrow Connector 10">
+            <a:extLst>
+              <a:ext uri="{FF2B5EF4-FFF2-40B4-BE49-F238E27FC236}">
+                <a16:creationId xmlns:a16="http://schemas.microsoft.com/office/drawing/2014/main" id="{EBC17150-9D68-B1B5-9D44-A37A0F6CF509}"/>
+              </a:ext>
+            </a:extLst>
+          </p:cNvPr>
+          <p:cNvCxnSpPr>
+            <a:cxnSpLocks/>
+          </p:cNvCxnSpPr>
+          <p:nvPr/>
+        </p:nvCxnSpPr>
+        <p:spPr>
+          <a:xfrm>
+            <a:off x="3974852" y="4643924"/>
+            <a:ext cx="902208" cy="0"/>
+          </a:xfrm>
+          <a:prstGeom prst="straightConnector1">
+            <a:avLst/>
+          </a:prstGeom>
+          <a:ln>
+            <a:tailEnd type="triangle"/>
+          </a:ln>
+        </p:spPr>
+        <p:style>
+          <a:lnRef idx="1">
+            <a:schemeClr val="accent1"/>
+          </a:lnRef>
+          <a:fillRef idx="0">
+            <a:schemeClr val="accent1"/>
+          </a:fillRef>
+          <a:effectRef idx="0">
+            <a:schemeClr val="accent1"/>
+          </a:effectRef>
+          <a:fontRef idx="minor">
+            <a:schemeClr val="tx1"/>
+          </a:fontRef>
+        </p:style>
+      </p:cxnSp>
+      <p:sp>
+        <p:nvSpPr>
+          <p:cNvPr id="12" name="TextBox 11">
+            <a:extLst>
+              <a:ext uri="{FF2B5EF4-FFF2-40B4-BE49-F238E27FC236}">
+                <a16:creationId xmlns:a16="http://schemas.microsoft.com/office/drawing/2014/main" id="{9D67AD90-A75D-2AC1-5D61-9F3F7BD17B34}"/>
+              </a:ext>
+            </a:extLst>
+          </p:cNvPr>
+          <p:cNvSpPr txBox="1"/>
+          <p:nvPr/>
+        </p:nvSpPr>
+        <p:spPr>
+          <a:xfrm>
+            <a:off x="6647008" y="4164943"/>
+            <a:ext cx="923572" cy="492443"/>
+          </a:xfrm>
+          <a:prstGeom prst="rect">
+            <a:avLst/>
+          </a:prstGeom>
+          <a:noFill/>
+        </p:spPr>
+        <p:txBody>
+          <a:bodyPr wrap="square" rtlCol="0">
+            <a:spAutoFit/>
+          </a:bodyPr>
+          <a:lstStyle/>
+          <a:p>
+            <a:pPr algn="ctr"/>
+            <a:r>
+              <a:rPr lang="en-SG" sz="1000" dirty="0"/>
+              <a:t>Python Code</a:t>
+            </a:r>
+          </a:p>
+          <a:p>
+            <a:pPr algn="ctr"/>
+            <a:r>
+              <a:rPr lang="en-SG" sz="800" dirty="0"/>
+              <a:t>(Swagger API,  Open API)</a:t>
+            </a:r>
+          </a:p>
+        </p:txBody>
+      </p:sp>
+      <p:cxnSp>
+        <p:nvCxnSpPr>
+          <p:cNvPr id="16" name="Straight Arrow Connector 15">
+            <a:extLst>
+              <a:ext uri="{FF2B5EF4-FFF2-40B4-BE49-F238E27FC236}">
+                <a16:creationId xmlns:a16="http://schemas.microsoft.com/office/drawing/2014/main" id="{0BD957DD-FF31-B05F-1F8E-8AF0F3647A0E}"/>
+              </a:ext>
+            </a:extLst>
+          </p:cNvPr>
+          <p:cNvCxnSpPr>
+            <a:cxnSpLocks/>
+          </p:cNvCxnSpPr>
+          <p:nvPr/>
+        </p:nvCxnSpPr>
+        <p:spPr>
+          <a:xfrm flipV="1">
+            <a:off x="8284724" y="2844904"/>
+            <a:ext cx="0" cy="1644080"/>
+          </a:xfrm>
+          <a:prstGeom prst="straightConnector1">
+            <a:avLst/>
+          </a:prstGeom>
+          <a:ln>
+            <a:tailEnd type="triangle"/>
+          </a:ln>
+        </p:spPr>
+        <p:style>
+          <a:lnRef idx="1">
+            <a:schemeClr val="accent1"/>
+          </a:lnRef>
+          <a:fillRef idx="0">
+            <a:schemeClr val="accent1"/>
+          </a:fillRef>
+          <a:effectRef idx="0">
+            <a:schemeClr val="accent1"/>
+          </a:effectRef>
+          <a:fontRef idx="minor">
+            <a:schemeClr val="tx1"/>
+          </a:fontRef>
+        </p:style>
+      </p:cxnSp>
+      <p:cxnSp>
+        <p:nvCxnSpPr>
+          <p:cNvPr id="18" name="Straight Arrow Connector 17">
+            <a:extLst>
+              <a:ext uri="{FF2B5EF4-FFF2-40B4-BE49-F238E27FC236}">
+                <a16:creationId xmlns:a16="http://schemas.microsoft.com/office/drawing/2014/main" id="{5AB0ACEC-FA94-A90B-7BE3-619E3C06AD7E}"/>
+              </a:ext>
+            </a:extLst>
+          </p:cNvPr>
+          <p:cNvCxnSpPr>
+            <a:cxnSpLocks/>
+            <a:stCxn id="41" idx="4"/>
+          </p:cNvCxnSpPr>
+          <p:nvPr/>
+        </p:nvCxnSpPr>
+        <p:spPr>
+          <a:xfrm>
+            <a:off x="8748954" y="2410406"/>
+            <a:ext cx="864698" cy="0"/>
+          </a:xfrm>
+          <a:prstGeom prst="straightConnector1">
+            <a:avLst/>
+          </a:prstGeom>
+          <a:ln>
+            <a:tailEnd type="triangle"/>
+          </a:ln>
+        </p:spPr>
+        <p:style>
+          <a:lnRef idx="1">
+            <a:schemeClr val="accent1"/>
+          </a:lnRef>
+          <a:fillRef idx="0">
+            <a:schemeClr val="accent1"/>
+          </a:fillRef>
+          <a:effectRef idx="0">
+            <a:schemeClr val="accent1"/>
+          </a:effectRef>
+          <a:fontRef idx="minor">
+            <a:schemeClr val="tx1"/>
+          </a:fontRef>
+        </p:style>
+      </p:cxnSp>
+      <p:pic>
+        <p:nvPicPr>
+          <p:cNvPr id="22" name="Graphic 21" descr="Folder Search with solid fill">
+            <a:extLst>
+              <a:ext uri="{FF2B5EF4-FFF2-40B4-BE49-F238E27FC236}">
+                <a16:creationId xmlns:a16="http://schemas.microsoft.com/office/drawing/2014/main" id="{62F75537-072C-0417-9FDE-B6F96816DEB0}"/>
+              </a:ext>
+            </a:extLst>
+          </p:cNvPr>
+          <p:cNvPicPr>
+            <a:picLocks noChangeAspect="1"/>
+          </p:cNvPicPr>
+          <p:nvPr/>
+        </p:nvPicPr>
+        <p:blipFill>
+          <a:blip r:embed="rId2">
+            <a:extLst>
+              <a:ext uri="{96DAC541-7B7A-43D3-8B79-37D633B846F1}">
+                <asvg:svgBlip xmlns:asvg="http://schemas.microsoft.com/office/drawing/2016/SVG/main" r:embed="rId3"/>
+              </a:ext>
+            </a:extLst>
+          </a:blip>
+          <a:stretch>
+            <a:fillRect/>
+          </a:stretch>
+        </p:blipFill>
+        <p:spPr>
+          <a:xfrm>
+            <a:off x="2900558" y="1930504"/>
+            <a:ext cx="914400" cy="914400"/>
+          </a:xfrm>
+          <a:prstGeom prst="rect">
+            <a:avLst/>
+          </a:prstGeom>
+        </p:spPr>
+      </p:pic>
+      <p:sp>
+        <p:nvSpPr>
+          <p:cNvPr id="23" name="TextBox 22">
+            <a:extLst>
+              <a:ext uri="{FF2B5EF4-FFF2-40B4-BE49-F238E27FC236}">
+                <a16:creationId xmlns:a16="http://schemas.microsoft.com/office/drawing/2014/main" id="{6AE39C2F-B6D5-67A5-D350-78001B60E665}"/>
+              </a:ext>
+            </a:extLst>
+          </p:cNvPr>
+          <p:cNvSpPr txBox="1"/>
+          <p:nvPr/>
+        </p:nvSpPr>
+        <p:spPr>
+          <a:xfrm>
+            <a:off x="659812" y="1442352"/>
+            <a:ext cx="1744388" cy="553998"/>
+          </a:xfrm>
+          <a:prstGeom prst="rect">
+            <a:avLst/>
+          </a:prstGeom>
+          <a:noFill/>
+        </p:spPr>
+        <p:txBody>
+          <a:bodyPr wrap="none" rtlCol="0">
+            <a:spAutoFit/>
+          </a:bodyPr>
+          <a:lstStyle/>
+          <a:p>
+            <a:pPr algn="ctr"/>
+            <a:r>
+              <a:rPr lang="en-SG" sz="1000" b="1" dirty="0"/>
+              <a:t>PDF, Text Documents</a:t>
+            </a:r>
+          </a:p>
+          <a:p>
+            <a:pPr algn="ctr"/>
+            <a:r>
+              <a:rPr lang="en-SG" sz="1000" dirty="0"/>
+              <a:t>(Ex: APIC, CD4D  etc.,)</a:t>
+            </a:r>
+          </a:p>
+          <a:p>
+            <a:pPr algn="ctr"/>
+            <a:r>
+              <a:rPr lang="en-SG" sz="1000" dirty="0"/>
+              <a:t>Used as source of information</a:t>
+            </a:r>
+          </a:p>
+        </p:txBody>
+      </p:sp>
+      <p:pic>
+        <p:nvPicPr>
+          <p:cNvPr id="27" name="Graphic 26" descr="Books with solid fill">
+            <a:extLst>
+              <a:ext uri="{FF2B5EF4-FFF2-40B4-BE49-F238E27FC236}">
+                <a16:creationId xmlns:a16="http://schemas.microsoft.com/office/drawing/2014/main" id="{A255B00C-FB5E-4BE6-7752-DF1D4871318A}"/>
+              </a:ext>
+            </a:extLst>
+          </p:cNvPr>
+          <p:cNvPicPr>
+            <a:picLocks noChangeAspect="1"/>
+          </p:cNvPicPr>
+          <p:nvPr/>
+        </p:nvPicPr>
+        <p:blipFill>
+          <a:blip r:embed="rId4">
+            <a:extLst>
+              <a:ext uri="{96DAC541-7B7A-43D3-8B79-37D633B846F1}">
+                <asvg:svgBlip xmlns:asvg="http://schemas.microsoft.com/office/drawing/2016/SVG/main" r:embed="rId5"/>
+              </a:ext>
+            </a:extLst>
+          </a:blip>
+          <a:stretch>
+            <a:fillRect/>
+          </a:stretch>
+        </p:blipFill>
+        <p:spPr>
+          <a:xfrm>
+            <a:off x="1047221" y="1930504"/>
+            <a:ext cx="914400" cy="914400"/>
+          </a:xfrm>
+          <a:prstGeom prst="rect">
+            <a:avLst/>
+          </a:prstGeom>
+        </p:spPr>
+      </p:pic>
+      <p:cxnSp>
+        <p:nvCxnSpPr>
+          <p:cNvPr id="28" name="Straight Arrow Connector 27">
+            <a:extLst>
+              <a:ext uri="{FF2B5EF4-FFF2-40B4-BE49-F238E27FC236}">
+                <a16:creationId xmlns:a16="http://schemas.microsoft.com/office/drawing/2014/main" id="{034522E6-ED99-08B1-5795-908C44DC01EE}"/>
+              </a:ext>
+            </a:extLst>
+          </p:cNvPr>
+          <p:cNvCxnSpPr>
+            <a:cxnSpLocks/>
+            <a:stCxn id="27" idx="3"/>
+          </p:cNvCxnSpPr>
+          <p:nvPr/>
+        </p:nvCxnSpPr>
+        <p:spPr>
+          <a:xfrm>
+            <a:off x="1961621" y="2387704"/>
+            <a:ext cx="1051713" cy="0"/>
+          </a:xfrm>
+          <a:prstGeom prst="straightConnector1">
+            <a:avLst/>
+          </a:prstGeom>
+          <a:ln>
+            <a:tailEnd type="triangle"/>
+          </a:ln>
+        </p:spPr>
+        <p:style>
+          <a:lnRef idx="1">
+            <a:schemeClr val="accent1"/>
+          </a:lnRef>
+          <a:fillRef idx="0">
+            <a:schemeClr val="accent1"/>
+          </a:fillRef>
+          <a:effectRef idx="0">
+            <a:schemeClr val="accent1"/>
+          </a:effectRef>
+          <a:fontRef idx="minor">
+            <a:schemeClr val="tx1"/>
+          </a:fontRef>
+        </p:style>
+      </p:cxnSp>
+      <p:sp>
+        <p:nvSpPr>
+          <p:cNvPr id="32" name="TextBox 31">
+            <a:extLst>
+              <a:ext uri="{FF2B5EF4-FFF2-40B4-BE49-F238E27FC236}">
+                <a16:creationId xmlns:a16="http://schemas.microsoft.com/office/drawing/2014/main" id="{5F55E2D9-B14E-D9E7-6EBE-EDDC976839F6}"/>
+              </a:ext>
+            </a:extLst>
+          </p:cNvPr>
+          <p:cNvSpPr txBox="1"/>
+          <p:nvPr/>
+        </p:nvSpPr>
+        <p:spPr>
+          <a:xfrm>
+            <a:off x="2878907" y="1809014"/>
+            <a:ext cx="941283" cy="246221"/>
+          </a:xfrm>
+          <a:prstGeom prst="rect">
+            <a:avLst/>
+          </a:prstGeom>
+          <a:noFill/>
+        </p:spPr>
+        <p:txBody>
+          <a:bodyPr wrap="none" rtlCol="0">
+            <a:spAutoFit/>
+          </a:bodyPr>
+          <a:lstStyle/>
+          <a:p>
+            <a:r>
+              <a:rPr lang="en-SG" sz="1000" b="1" dirty="0"/>
+              <a:t>Read the Docs</a:t>
+            </a:r>
+          </a:p>
+        </p:txBody>
+      </p:sp>
+      <p:sp>
+        <p:nvSpPr>
+          <p:cNvPr id="34" name="Double Brace 33">
+            <a:extLst>
+              <a:ext uri="{FF2B5EF4-FFF2-40B4-BE49-F238E27FC236}">
+                <a16:creationId xmlns:a16="http://schemas.microsoft.com/office/drawing/2014/main" id="{90C0380A-966D-6EF2-7CC2-A7525A164AF0}"/>
+              </a:ext>
+            </a:extLst>
+          </p:cNvPr>
+          <p:cNvSpPr/>
+          <p:nvPr/>
+        </p:nvSpPr>
+        <p:spPr>
+          <a:xfrm>
+            <a:off x="4418462" y="2249150"/>
+            <a:ext cx="786384" cy="271936"/>
+          </a:xfrm>
+          <a:prstGeom prst="bracePair">
+            <a:avLst/>
+          </a:prstGeom>
+          <a:ln>
+            <a:solidFill>
+              <a:schemeClr val="tx1"/>
+            </a:solidFill>
+          </a:ln>
+        </p:spPr>
+        <p:style>
+          <a:lnRef idx="1">
+            <a:schemeClr val="accent1"/>
+          </a:lnRef>
+          <a:fillRef idx="0">
+            <a:schemeClr val="accent1"/>
+          </a:fillRef>
+          <a:effectRef idx="0">
+            <a:schemeClr val="accent1"/>
+          </a:effectRef>
+          <a:fontRef idx="minor">
+            <a:schemeClr val="tx1"/>
+          </a:fontRef>
+        </p:style>
+        <p:txBody>
+          <a:bodyPr rtlCol="0" anchor="ctr"/>
+          <a:lstStyle/>
+          <a:p>
+            <a:pPr algn="ctr"/>
+            <a:endParaRPr lang="en-SG"/>
+          </a:p>
+        </p:txBody>
+      </p:sp>
+      <p:cxnSp>
+        <p:nvCxnSpPr>
+          <p:cNvPr id="36" name="Straight Arrow Connector 35">
+            <a:extLst>
+              <a:ext uri="{FF2B5EF4-FFF2-40B4-BE49-F238E27FC236}">
+                <a16:creationId xmlns:a16="http://schemas.microsoft.com/office/drawing/2014/main" id="{5F3B77B7-7FEA-01AA-54FD-426B7B2AC87D}"/>
+              </a:ext>
+            </a:extLst>
+          </p:cNvPr>
+          <p:cNvCxnSpPr>
+            <a:cxnSpLocks/>
+          </p:cNvCxnSpPr>
+          <p:nvPr/>
+        </p:nvCxnSpPr>
+        <p:spPr>
+          <a:xfrm>
+            <a:off x="3732509" y="2387704"/>
+            <a:ext cx="606705" cy="0"/>
+          </a:xfrm>
+          <a:prstGeom prst="straightConnector1">
+            <a:avLst/>
+          </a:prstGeom>
+          <a:ln>
+            <a:tailEnd type="triangle"/>
+          </a:ln>
+        </p:spPr>
+        <p:style>
+          <a:lnRef idx="1">
+            <a:schemeClr val="accent1"/>
+          </a:lnRef>
+          <a:fillRef idx="0">
+            <a:schemeClr val="accent1"/>
+          </a:fillRef>
+          <a:effectRef idx="0">
+            <a:schemeClr val="accent1"/>
+          </a:effectRef>
+          <a:fontRef idx="minor">
+            <a:schemeClr val="tx1"/>
+          </a:fontRef>
+        </p:style>
+      </p:cxnSp>
+      <p:sp>
+        <p:nvSpPr>
+          <p:cNvPr id="38" name="TextBox 37">
+            <a:extLst>
+              <a:ext uri="{FF2B5EF4-FFF2-40B4-BE49-F238E27FC236}">
+                <a16:creationId xmlns:a16="http://schemas.microsoft.com/office/drawing/2014/main" id="{F9C99F67-86FE-1A1A-A190-007621BD3962}"/>
+              </a:ext>
+            </a:extLst>
+          </p:cNvPr>
+          <p:cNvSpPr txBox="1"/>
+          <p:nvPr/>
+        </p:nvSpPr>
+        <p:spPr>
+          <a:xfrm>
+            <a:off x="4480869" y="2185063"/>
+            <a:ext cx="649538" cy="400110"/>
+          </a:xfrm>
+          <a:prstGeom prst="rect">
+            <a:avLst/>
+          </a:prstGeom>
+          <a:noFill/>
+        </p:spPr>
+        <p:txBody>
+          <a:bodyPr wrap="none" rtlCol="0">
+            <a:spAutoFit/>
+          </a:bodyPr>
+          <a:lstStyle/>
+          <a:p>
+            <a:pPr algn="ctr"/>
+            <a:r>
+              <a:rPr lang="en-SG" sz="1000" b="1" dirty="0"/>
+              <a:t>Splitter</a:t>
+            </a:r>
+          </a:p>
+          <a:p>
+            <a:pPr algn="ctr"/>
+            <a:r>
+              <a:rPr lang="en-SG" sz="1000" b="1" dirty="0"/>
+              <a:t>Function</a:t>
+            </a:r>
+          </a:p>
+        </p:txBody>
+      </p:sp>
+      <p:cxnSp>
+        <p:nvCxnSpPr>
+          <p:cNvPr id="39" name="Straight Arrow Connector 38">
+            <a:extLst>
+              <a:ext uri="{FF2B5EF4-FFF2-40B4-BE49-F238E27FC236}">
+                <a16:creationId xmlns:a16="http://schemas.microsoft.com/office/drawing/2014/main" id="{E865CD3C-5D07-2C66-6B32-290E928A03ED}"/>
+              </a:ext>
+            </a:extLst>
+          </p:cNvPr>
+          <p:cNvCxnSpPr>
+            <a:cxnSpLocks/>
+          </p:cNvCxnSpPr>
+          <p:nvPr/>
+        </p:nvCxnSpPr>
+        <p:spPr>
+          <a:xfrm flipV="1">
+            <a:off x="5348415" y="2385118"/>
+            <a:ext cx="717365" cy="2586"/>
+          </a:xfrm>
+          <a:prstGeom prst="straightConnector1">
+            <a:avLst/>
+          </a:prstGeom>
+          <a:ln>
+            <a:tailEnd type="triangle"/>
+          </a:ln>
+        </p:spPr>
+        <p:style>
+          <a:lnRef idx="1">
+            <a:schemeClr val="accent1"/>
+          </a:lnRef>
+          <a:fillRef idx="0">
+            <a:schemeClr val="accent1"/>
+          </a:fillRef>
+          <a:effectRef idx="0">
+            <a:schemeClr val="accent1"/>
+          </a:effectRef>
+          <a:fontRef idx="minor">
+            <a:schemeClr val="tx1"/>
+          </a:fontRef>
+        </p:style>
+      </p:cxnSp>
+      <p:sp>
+        <p:nvSpPr>
+          <p:cNvPr id="41" name="Cylinder 40">
+            <a:extLst>
+              <a:ext uri="{FF2B5EF4-FFF2-40B4-BE49-F238E27FC236}">
+                <a16:creationId xmlns:a16="http://schemas.microsoft.com/office/drawing/2014/main" id="{33E57B1C-BA13-1001-0342-CDCC0CA99813}"/>
+              </a:ext>
+            </a:extLst>
+          </p:cNvPr>
+          <p:cNvSpPr/>
+          <p:nvPr/>
+        </p:nvSpPr>
+        <p:spPr>
+          <a:xfrm>
+            <a:off x="7820495" y="2018985"/>
+            <a:ext cx="928459" cy="782841"/>
+          </a:xfrm>
+          <a:prstGeom prst="can">
+            <a:avLst/>
+          </a:prstGeom>
+          <a:solidFill>
+            <a:schemeClr val="accent1">
+              <a:lumMod val="20000"/>
+              <a:lumOff val="80000"/>
+            </a:schemeClr>
+          </a:solidFill>
+        </p:spPr>
+        <p:style>
+          <a:lnRef idx="2">
+            <a:schemeClr val="accent1">
+              <a:shade val="50000"/>
+            </a:schemeClr>
+          </a:lnRef>
+          <a:fillRef idx="1">
+            <a:schemeClr val="accent1"/>
+          </a:fillRef>
+          <a:effectRef idx="0">
+            <a:schemeClr val="accent1"/>
+          </a:effectRef>
+          <a:fontRef idx="minor">
+            <a:schemeClr val="lt1"/>
+          </a:fontRef>
+        </p:style>
+        <p:txBody>
+          <a:bodyPr rtlCol="0" anchor="ctr"/>
+          <a:lstStyle/>
+          <a:p>
+            <a:pPr algn="ctr"/>
+            <a:r>
+              <a:rPr lang="en-SG" sz="1200" b="1" dirty="0">
+                <a:solidFill>
+                  <a:schemeClr val="tx1"/>
+                </a:solidFill>
+              </a:rPr>
+              <a:t>Vector</a:t>
+            </a:r>
+          </a:p>
+          <a:p>
+            <a:pPr algn="ctr"/>
+            <a:r>
+              <a:rPr lang="en-SG" sz="1200" b="1" dirty="0">
+                <a:solidFill>
+                  <a:schemeClr val="tx1"/>
+                </a:solidFill>
+              </a:rPr>
+              <a:t>DB</a:t>
+            </a:r>
+          </a:p>
+        </p:txBody>
+      </p:sp>
+      <p:cxnSp>
+        <p:nvCxnSpPr>
+          <p:cNvPr id="43" name="Straight Arrow Connector 42">
+            <a:extLst>
+              <a:ext uri="{FF2B5EF4-FFF2-40B4-BE49-F238E27FC236}">
+                <a16:creationId xmlns:a16="http://schemas.microsoft.com/office/drawing/2014/main" id="{4817A988-151D-9AC5-985F-CCA2717A9558}"/>
+              </a:ext>
+            </a:extLst>
+          </p:cNvPr>
+          <p:cNvCxnSpPr>
+            <a:cxnSpLocks/>
+            <a:endCxn id="41" idx="2"/>
+          </p:cNvCxnSpPr>
+          <p:nvPr/>
+        </p:nvCxnSpPr>
+        <p:spPr>
+          <a:xfrm>
+            <a:off x="7161662" y="2410406"/>
+            <a:ext cx="658833" cy="0"/>
+          </a:xfrm>
+          <a:prstGeom prst="straightConnector1">
+            <a:avLst/>
+          </a:prstGeom>
+          <a:ln>
+            <a:tailEnd type="triangle"/>
+          </a:ln>
+        </p:spPr>
+        <p:style>
+          <a:lnRef idx="1">
+            <a:schemeClr val="accent1"/>
+          </a:lnRef>
+          <a:fillRef idx="0">
+            <a:schemeClr val="accent1"/>
+          </a:fillRef>
+          <a:effectRef idx="0">
+            <a:schemeClr val="accent1"/>
+          </a:effectRef>
+          <a:fontRef idx="minor">
+            <a:schemeClr val="tx1"/>
+          </a:fontRef>
+        </p:style>
+      </p:cxnSp>
+      <p:sp>
+        <p:nvSpPr>
+          <p:cNvPr id="47" name="Rectangle 46">
+            <a:extLst>
+              <a:ext uri="{FF2B5EF4-FFF2-40B4-BE49-F238E27FC236}">
+                <a16:creationId xmlns:a16="http://schemas.microsoft.com/office/drawing/2014/main" id="{D9D6CFB9-801D-9D9A-23EA-125531788448}"/>
+              </a:ext>
+            </a:extLst>
+          </p:cNvPr>
+          <p:cNvSpPr/>
+          <p:nvPr/>
+        </p:nvSpPr>
+        <p:spPr>
+          <a:xfrm>
+            <a:off x="9613652" y="2055235"/>
+            <a:ext cx="1188720" cy="676656"/>
+          </a:xfrm>
+          <a:prstGeom prst="rect">
+            <a:avLst/>
+          </a:prstGeom>
+          <a:solidFill>
+            <a:schemeClr val="bg1"/>
+          </a:solidFill>
+        </p:spPr>
+        <p:style>
+          <a:lnRef idx="2">
+            <a:schemeClr val="accent1">
+              <a:shade val="50000"/>
+            </a:schemeClr>
+          </a:lnRef>
+          <a:fillRef idx="1">
+            <a:schemeClr val="accent1"/>
+          </a:fillRef>
+          <a:effectRef idx="0">
+            <a:schemeClr val="accent1"/>
+          </a:effectRef>
+          <a:fontRef idx="minor">
+            <a:schemeClr val="lt1"/>
+          </a:fontRef>
+        </p:style>
+        <p:txBody>
+          <a:bodyPr rtlCol="0" anchor="ctr"/>
+          <a:lstStyle/>
+          <a:p>
+            <a:pPr algn="ctr"/>
+            <a:r>
+              <a:rPr lang="en-SG" sz="1200" b="1" dirty="0">
+                <a:solidFill>
+                  <a:schemeClr val="tx1"/>
+                </a:solidFill>
+              </a:rPr>
+              <a:t>Watsonx.ai</a:t>
+            </a:r>
+          </a:p>
+        </p:txBody>
+      </p:sp>
+      <p:cxnSp>
+        <p:nvCxnSpPr>
+          <p:cNvPr id="49" name="Connector: Elbow 48">
+            <a:extLst>
+              <a:ext uri="{FF2B5EF4-FFF2-40B4-BE49-F238E27FC236}">
+                <a16:creationId xmlns:a16="http://schemas.microsoft.com/office/drawing/2014/main" id="{542B93C6-6591-A3A5-CA68-614C13D920A1}"/>
+              </a:ext>
+            </a:extLst>
+          </p:cNvPr>
+          <p:cNvCxnSpPr>
+            <a:cxnSpLocks/>
+            <a:stCxn id="47" idx="2"/>
+            <a:endCxn id="62" idx="3"/>
+          </p:cNvCxnSpPr>
+          <p:nvPr/>
+        </p:nvCxnSpPr>
+        <p:spPr>
+          <a:xfrm rot="5400000">
+            <a:off x="8430773" y="3050072"/>
+            <a:ext cx="2095421" cy="1459058"/>
+          </a:xfrm>
+          <a:prstGeom prst="bentConnector2">
+            <a:avLst/>
+          </a:prstGeom>
+          <a:ln>
+            <a:solidFill>
+              <a:srgbClr val="00B050"/>
+            </a:solidFill>
+            <a:tailEnd type="triangle"/>
+          </a:ln>
+        </p:spPr>
+        <p:style>
+          <a:lnRef idx="1">
+            <a:schemeClr val="accent1"/>
+          </a:lnRef>
+          <a:fillRef idx="0">
+            <a:schemeClr val="accent1"/>
+          </a:fillRef>
+          <a:effectRef idx="0">
+            <a:schemeClr val="accent1"/>
+          </a:effectRef>
+          <a:fontRef idx="minor">
+            <a:schemeClr val="tx1"/>
+          </a:fontRef>
+        </p:style>
+      </p:cxnSp>
+      <p:cxnSp>
+        <p:nvCxnSpPr>
+          <p:cNvPr id="51" name="Straight Arrow Connector 50">
+            <a:extLst>
+              <a:ext uri="{FF2B5EF4-FFF2-40B4-BE49-F238E27FC236}">
+                <a16:creationId xmlns:a16="http://schemas.microsoft.com/office/drawing/2014/main" id="{4CCEDD8D-5A2A-5CF8-A604-5AB04DA1D1D6}"/>
+              </a:ext>
+            </a:extLst>
+          </p:cNvPr>
+          <p:cNvCxnSpPr>
+            <a:cxnSpLocks/>
+          </p:cNvCxnSpPr>
+          <p:nvPr/>
+        </p:nvCxnSpPr>
+        <p:spPr>
+          <a:xfrm>
+            <a:off x="1817825" y="4646658"/>
+            <a:ext cx="980399" cy="0"/>
+          </a:xfrm>
+          <a:prstGeom prst="straightConnector1">
+            <a:avLst/>
+          </a:prstGeom>
+          <a:ln>
+            <a:tailEnd type="triangle"/>
+          </a:ln>
+        </p:spPr>
+        <p:style>
+          <a:lnRef idx="1">
+            <a:schemeClr val="accent1"/>
+          </a:lnRef>
+          <a:fillRef idx="0">
+            <a:schemeClr val="accent1"/>
+          </a:fillRef>
+          <a:effectRef idx="0">
+            <a:schemeClr val="accent1"/>
+          </a:effectRef>
+          <a:fontRef idx="minor">
+            <a:schemeClr val="tx1"/>
+          </a:fontRef>
+        </p:style>
+      </p:cxnSp>
+      <p:cxnSp>
+        <p:nvCxnSpPr>
+          <p:cNvPr id="52" name="Straight Arrow Connector 51">
+            <a:extLst>
+              <a:ext uri="{FF2B5EF4-FFF2-40B4-BE49-F238E27FC236}">
+                <a16:creationId xmlns:a16="http://schemas.microsoft.com/office/drawing/2014/main" id="{4747FC99-FAA4-B536-A866-06A7043DF26F}"/>
+              </a:ext>
+            </a:extLst>
+          </p:cNvPr>
+          <p:cNvCxnSpPr>
+            <a:cxnSpLocks/>
+          </p:cNvCxnSpPr>
+          <p:nvPr/>
+        </p:nvCxnSpPr>
+        <p:spPr>
+          <a:xfrm flipH="1">
+            <a:off x="1832108" y="5040672"/>
+            <a:ext cx="954024" cy="0"/>
+          </a:xfrm>
+          <a:prstGeom prst="straightConnector1">
+            <a:avLst/>
+          </a:prstGeom>
+          <a:ln>
+            <a:solidFill>
+              <a:srgbClr val="00B050"/>
+            </a:solidFill>
+            <a:tailEnd type="triangle"/>
+          </a:ln>
+        </p:spPr>
+        <p:style>
+          <a:lnRef idx="1">
+            <a:schemeClr val="accent1"/>
+          </a:lnRef>
+          <a:fillRef idx="0">
+            <a:schemeClr val="accent1"/>
+          </a:fillRef>
+          <a:effectRef idx="0">
+            <a:schemeClr val="accent1"/>
+          </a:effectRef>
+          <a:fontRef idx="minor">
+            <a:schemeClr val="tx1"/>
+          </a:fontRef>
+        </p:style>
+      </p:cxnSp>
+      <p:sp>
+        <p:nvSpPr>
+          <p:cNvPr id="54" name="TextBox 53">
+            <a:extLst>
+              <a:ext uri="{FF2B5EF4-FFF2-40B4-BE49-F238E27FC236}">
+                <a16:creationId xmlns:a16="http://schemas.microsoft.com/office/drawing/2014/main" id="{350CF218-89FC-F59E-C5F0-E7727D414F61}"/>
+              </a:ext>
+            </a:extLst>
+          </p:cNvPr>
+          <p:cNvSpPr txBox="1"/>
+          <p:nvPr/>
+        </p:nvSpPr>
+        <p:spPr>
+          <a:xfrm>
+            <a:off x="1020010" y="4370500"/>
+            <a:ext cx="728084" cy="369332"/>
+          </a:xfrm>
+          <a:prstGeom prst="rect">
+            <a:avLst/>
+          </a:prstGeom>
+          <a:noFill/>
+        </p:spPr>
+        <p:txBody>
+          <a:bodyPr wrap="none" rtlCol="0">
+            <a:spAutoFit/>
+          </a:bodyPr>
+          <a:lstStyle/>
+          <a:p>
+            <a:pPr algn="ctr"/>
+            <a:r>
+              <a:rPr lang="en-SG" sz="1000" b="1" dirty="0">
+                <a:solidFill>
+                  <a:srgbClr val="0070C0"/>
+                </a:solidFill>
+              </a:rPr>
+              <a:t>Input</a:t>
+            </a:r>
+          </a:p>
+          <a:p>
+            <a:pPr algn="ctr"/>
+            <a:r>
+              <a:rPr lang="en-SG" sz="800" dirty="0">
+                <a:solidFill>
+                  <a:srgbClr val="0070C0"/>
+                </a:solidFill>
+              </a:rPr>
+              <a:t>Text / Query </a:t>
+            </a:r>
+          </a:p>
+        </p:txBody>
+      </p:sp>
+      <p:sp>
+        <p:nvSpPr>
+          <p:cNvPr id="55" name="TextBox 54">
+            <a:extLst>
+              <a:ext uri="{FF2B5EF4-FFF2-40B4-BE49-F238E27FC236}">
+                <a16:creationId xmlns:a16="http://schemas.microsoft.com/office/drawing/2014/main" id="{F9929281-6313-3C2B-7682-C2F6DFE8FFE7}"/>
+              </a:ext>
+            </a:extLst>
+          </p:cNvPr>
+          <p:cNvSpPr txBox="1"/>
+          <p:nvPr/>
+        </p:nvSpPr>
+        <p:spPr>
+          <a:xfrm>
+            <a:off x="888760" y="4855131"/>
+            <a:ext cx="881973" cy="492443"/>
+          </a:xfrm>
+          <a:prstGeom prst="rect">
+            <a:avLst/>
+          </a:prstGeom>
+          <a:noFill/>
+        </p:spPr>
+        <p:txBody>
+          <a:bodyPr wrap="none" rtlCol="0">
+            <a:spAutoFit/>
+          </a:bodyPr>
+          <a:lstStyle/>
+          <a:p>
+            <a:pPr algn="ctr"/>
+            <a:r>
+              <a:rPr lang="en-SG" sz="1000" b="1" dirty="0">
+                <a:solidFill>
+                  <a:srgbClr val="00B050"/>
+                </a:solidFill>
+              </a:rPr>
+              <a:t>Output</a:t>
+            </a:r>
+          </a:p>
+          <a:p>
+            <a:pPr algn="ctr"/>
+            <a:r>
+              <a:rPr lang="en-SG" sz="800" dirty="0">
+                <a:solidFill>
+                  <a:srgbClr val="00B050"/>
+                </a:solidFill>
+              </a:rPr>
+              <a:t>Solution Product</a:t>
+            </a:r>
+          </a:p>
+          <a:p>
+            <a:pPr algn="ctr"/>
+            <a:r>
+              <a:rPr lang="en-SG" sz="800" dirty="0">
+                <a:solidFill>
+                  <a:srgbClr val="00B050"/>
+                </a:solidFill>
+              </a:rPr>
+              <a:t>/ Summary</a:t>
+            </a:r>
+          </a:p>
+        </p:txBody>
+      </p:sp>
+      <p:sp>
+        <p:nvSpPr>
+          <p:cNvPr id="62" name="Rectangle: Folded Corner 61">
+            <a:extLst>
+              <a:ext uri="{FF2B5EF4-FFF2-40B4-BE49-F238E27FC236}">
+                <a16:creationId xmlns:a16="http://schemas.microsoft.com/office/drawing/2014/main" id="{D42734DB-CCBC-E895-60E0-445139391B3B}"/>
+              </a:ext>
+            </a:extLst>
+          </p:cNvPr>
+          <p:cNvSpPr/>
+          <p:nvPr/>
+        </p:nvSpPr>
+        <p:spPr>
+          <a:xfrm>
+            <a:off x="7834554" y="4370112"/>
+            <a:ext cx="914400" cy="914400"/>
+          </a:xfrm>
+          <a:prstGeom prst="foldedCorner">
+            <a:avLst/>
+          </a:prstGeom>
+          <a:solidFill>
+            <a:schemeClr val="bg1"/>
+          </a:solidFill>
+        </p:spPr>
+        <p:style>
+          <a:lnRef idx="2">
+            <a:schemeClr val="accent1">
+              <a:shade val="50000"/>
+            </a:schemeClr>
+          </a:lnRef>
+          <a:fillRef idx="1">
+            <a:schemeClr val="accent1"/>
+          </a:fillRef>
+          <a:effectRef idx="0">
+            <a:schemeClr val="accent1"/>
+          </a:effectRef>
+          <a:fontRef idx="minor">
+            <a:schemeClr val="lt1"/>
+          </a:fontRef>
+        </p:style>
+        <p:txBody>
+          <a:bodyPr rtlCol="0" anchor="ctr"/>
+          <a:lstStyle/>
+          <a:p>
+            <a:pPr algn="ctr"/>
+            <a:r>
+              <a:rPr lang="en-SG" sz="1200" b="1" dirty="0">
+                <a:solidFill>
+                  <a:schemeClr val="tx1"/>
+                </a:solidFill>
+              </a:rPr>
+              <a:t>Python API</a:t>
+            </a:r>
+          </a:p>
+        </p:txBody>
+      </p:sp>
+      <p:sp>
+        <p:nvSpPr>
+          <p:cNvPr id="65" name="Rectangle: Folded Corner 64">
+            <a:extLst>
+              <a:ext uri="{FF2B5EF4-FFF2-40B4-BE49-F238E27FC236}">
+                <a16:creationId xmlns:a16="http://schemas.microsoft.com/office/drawing/2014/main" id="{3FC41468-49CA-FF75-3AB7-0809AB32A961}"/>
+              </a:ext>
+            </a:extLst>
+          </p:cNvPr>
+          <p:cNvSpPr/>
+          <p:nvPr/>
+        </p:nvSpPr>
+        <p:spPr>
+          <a:xfrm>
+            <a:off x="6128813" y="1953205"/>
+            <a:ext cx="1002202" cy="914400"/>
+          </a:xfrm>
+          <a:prstGeom prst="foldedCorner">
+            <a:avLst/>
+          </a:prstGeom>
+          <a:solidFill>
+            <a:schemeClr val="bg1"/>
+          </a:solidFill>
+        </p:spPr>
+        <p:style>
+          <a:lnRef idx="2">
+            <a:schemeClr val="accent1">
+              <a:shade val="50000"/>
+            </a:schemeClr>
+          </a:lnRef>
+          <a:fillRef idx="1">
+            <a:schemeClr val="accent1"/>
+          </a:fillRef>
+          <a:effectRef idx="0">
+            <a:schemeClr val="accent1"/>
+          </a:effectRef>
+          <a:fontRef idx="minor">
+            <a:schemeClr val="lt1"/>
+          </a:fontRef>
+        </p:style>
+        <p:txBody>
+          <a:bodyPr rtlCol="0" anchor="ctr"/>
+          <a:lstStyle/>
+          <a:p>
+            <a:pPr algn="ctr"/>
+            <a:r>
+              <a:rPr lang="en-SG" sz="1200" b="1" dirty="0">
+                <a:solidFill>
+                  <a:schemeClr val="tx1"/>
+                </a:solidFill>
+              </a:rPr>
+              <a:t>Embeddings API</a:t>
+            </a:r>
+          </a:p>
+        </p:txBody>
+      </p:sp>
+      <p:sp>
+        <p:nvSpPr>
+          <p:cNvPr id="68" name="TextBox 67">
+            <a:extLst>
+              <a:ext uri="{FF2B5EF4-FFF2-40B4-BE49-F238E27FC236}">
+                <a16:creationId xmlns:a16="http://schemas.microsoft.com/office/drawing/2014/main" id="{77F739E5-6F32-5BC6-E6B9-EE9B153225D9}"/>
+              </a:ext>
+            </a:extLst>
+          </p:cNvPr>
+          <p:cNvSpPr txBox="1"/>
+          <p:nvPr/>
+        </p:nvSpPr>
+        <p:spPr>
+          <a:xfrm>
+            <a:off x="8952236" y="1288463"/>
+            <a:ext cx="848309" cy="307777"/>
+          </a:xfrm>
+          <a:prstGeom prst="rect">
+            <a:avLst/>
+          </a:prstGeom>
+          <a:noFill/>
+        </p:spPr>
+        <p:txBody>
+          <a:bodyPr wrap="none" rtlCol="0">
+            <a:spAutoFit/>
+          </a:bodyPr>
+          <a:lstStyle/>
+          <a:p>
+            <a:r>
+              <a:rPr lang="en-SG" sz="1400" b="1" dirty="0">
+                <a:solidFill>
+                  <a:schemeClr val="accent2">
+                    <a:lumMod val="75000"/>
+                  </a:schemeClr>
+                </a:solidFill>
+              </a:rPr>
+              <a:t>Mapping</a:t>
+            </a:r>
+          </a:p>
+        </p:txBody>
+      </p:sp>
+      <p:sp>
+        <p:nvSpPr>
+          <p:cNvPr id="70" name="TextBox 69">
+            <a:extLst>
+              <a:ext uri="{FF2B5EF4-FFF2-40B4-BE49-F238E27FC236}">
+                <a16:creationId xmlns:a16="http://schemas.microsoft.com/office/drawing/2014/main" id="{F825793A-8B48-B2E1-2526-F07F80F66CEE}"/>
+              </a:ext>
+            </a:extLst>
+          </p:cNvPr>
+          <p:cNvSpPr txBox="1"/>
+          <p:nvPr/>
+        </p:nvSpPr>
+        <p:spPr>
+          <a:xfrm>
+            <a:off x="2051921" y="4017987"/>
+            <a:ext cx="869918" cy="307777"/>
+          </a:xfrm>
+          <a:prstGeom prst="rect">
+            <a:avLst/>
+          </a:prstGeom>
+          <a:noFill/>
+        </p:spPr>
+        <p:txBody>
+          <a:bodyPr wrap="none" rtlCol="0">
+            <a:spAutoFit/>
+          </a:bodyPr>
+          <a:lstStyle/>
+          <a:p>
+            <a:r>
+              <a:rPr lang="en-SG" sz="1400" b="1" dirty="0">
+                <a:solidFill>
+                  <a:srgbClr val="00B050"/>
+                </a:solidFill>
+              </a:rPr>
+              <a:t>Querying</a:t>
+            </a:r>
+          </a:p>
+        </p:txBody>
+      </p:sp>
+      <p:sp>
+        <p:nvSpPr>
+          <p:cNvPr id="71" name="TextBox 70">
+            <a:extLst>
+              <a:ext uri="{FF2B5EF4-FFF2-40B4-BE49-F238E27FC236}">
+                <a16:creationId xmlns:a16="http://schemas.microsoft.com/office/drawing/2014/main" id="{94895DC2-7DEE-9521-CF71-B1BA77C607C0}"/>
+              </a:ext>
+            </a:extLst>
+          </p:cNvPr>
+          <p:cNvSpPr txBox="1"/>
+          <p:nvPr/>
+        </p:nvSpPr>
+        <p:spPr>
+          <a:xfrm>
+            <a:off x="799932" y="5570307"/>
+            <a:ext cx="3441778" cy="707886"/>
+          </a:xfrm>
+          <a:prstGeom prst="rect">
+            <a:avLst/>
+          </a:prstGeom>
+          <a:noFill/>
+        </p:spPr>
+        <p:txBody>
+          <a:bodyPr wrap="square" rtlCol="0">
+            <a:spAutoFit/>
+          </a:bodyPr>
+          <a:lstStyle/>
+          <a:p>
+            <a:pPr marL="285750" indent="-285750">
+              <a:buFont typeface="Arial" panose="020B0604020202020204" pitchFamily="34" charset="0"/>
+              <a:buChar char="•"/>
+            </a:pPr>
+            <a:r>
+              <a:rPr lang="en-SG" sz="1000" dirty="0">
+                <a:solidFill>
+                  <a:schemeClr val="accent6">
+                    <a:lumMod val="75000"/>
+                  </a:schemeClr>
+                </a:solidFill>
+              </a:rPr>
+              <a:t>Inputs can be probing queries based on  Functional / Non-Functional requirements from the RFP.</a:t>
+            </a:r>
+          </a:p>
+          <a:p>
+            <a:pPr marL="285750" indent="-285750">
+              <a:buFont typeface="Arial" panose="020B0604020202020204" pitchFamily="34" charset="0"/>
+              <a:buChar char="•"/>
+            </a:pPr>
+            <a:r>
+              <a:rPr lang="en-SG" sz="1000" dirty="0">
+                <a:solidFill>
+                  <a:schemeClr val="accent6">
+                    <a:lumMod val="75000"/>
+                  </a:schemeClr>
+                </a:solidFill>
+              </a:rPr>
+              <a:t>Output can be the name of the IBM Tech or RH Tech solution component with or without summary.</a:t>
+            </a:r>
+          </a:p>
+        </p:txBody>
+      </p:sp>
+      <p:sp>
+        <p:nvSpPr>
+          <p:cNvPr id="73" name="TextBox 72">
+            <a:extLst>
+              <a:ext uri="{FF2B5EF4-FFF2-40B4-BE49-F238E27FC236}">
+                <a16:creationId xmlns:a16="http://schemas.microsoft.com/office/drawing/2014/main" id="{CD94A34D-B565-BC51-D598-D45400B531DB}"/>
+              </a:ext>
+            </a:extLst>
+          </p:cNvPr>
+          <p:cNvSpPr txBox="1"/>
+          <p:nvPr/>
+        </p:nvSpPr>
+        <p:spPr>
+          <a:xfrm>
+            <a:off x="863085" y="2800338"/>
+            <a:ext cx="2970853" cy="553998"/>
+          </a:xfrm>
+          <a:prstGeom prst="rect">
+            <a:avLst/>
+          </a:prstGeom>
+          <a:noFill/>
+        </p:spPr>
+        <p:txBody>
+          <a:bodyPr wrap="square" rtlCol="0">
+            <a:spAutoFit/>
+          </a:bodyPr>
+          <a:lstStyle/>
+          <a:p>
+            <a:pPr marL="285750" indent="-285750">
+              <a:buFont typeface="Arial" panose="020B0604020202020204" pitchFamily="34" charset="0"/>
+              <a:buChar char="•"/>
+            </a:pPr>
+            <a:r>
+              <a:rPr lang="en-SG" sz="1000" dirty="0">
+                <a:solidFill>
+                  <a:srgbClr val="0070C0"/>
+                </a:solidFill>
+              </a:rPr>
+              <a:t>IBM Tech or RH Tech production description / documentation.  </a:t>
+            </a:r>
+          </a:p>
+          <a:p>
+            <a:r>
+              <a:rPr lang="en-SG" sz="1000" i="1" dirty="0">
+                <a:solidFill>
+                  <a:srgbClr val="0070C0"/>
+                </a:solidFill>
+              </a:rPr>
+              <a:t>We will have this created and curated for this exercise</a:t>
+            </a:r>
+          </a:p>
+        </p:txBody>
+      </p:sp>
+      <p:sp>
+        <p:nvSpPr>
+          <p:cNvPr id="74" name="TextBox 73">
+            <a:extLst>
+              <a:ext uri="{FF2B5EF4-FFF2-40B4-BE49-F238E27FC236}">
+                <a16:creationId xmlns:a16="http://schemas.microsoft.com/office/drawing/2014/main" id="{E6AFC5B6-61F3-452B-1698-4EE8C536F8B7}"/>
+              </a:ext>
+            </a:extLst>
+          </p:cNvPr>
+          <p:cNvSpPr txBox="1"/>
+          <p:nvPr/>
+        </p:nvSpPr>
+        <p:spPr>
+          <a:xfrm>
+            <a:off x="1648319" y="973894"/>
+            <a:ext cx="1400383" cy="307777"/>
+          </a:xfrm>
+          <a:prstGeom prst="rect">
+            <a:avLst/>
+          </a:prstGeom>
+          <a:noFill/>
+        </p:spPr>
+        <p:txBody>
+          <a:bodyPr wrap="none" rtlCol="0">
+            <a:spAutoFit/>
+          </a:bodyPr>
+          <a:lstStyle/>
+          <a:p>
+            <a:r>
+              <a:rPr lang="en-SG" sz="1400" b="1" dirty="0">
+                <a:solidFill>
+                  <a:srgbClr val="0070C0"/>
+                </a:solidFill>
+              </a:rPr>
+              <a:t>Knowledge Base</a:t>
+            </a:r>
+          </a:p>
+        </p:txBody>
+      </p:sp>
+      <p:sp>
+        <p:nvSpPr>
+          <p:cNvPr id="75" name="TextBox 74">
+            <a:extLst>
+              <a:ext uri="{FF2B5EF4-FFF2-40B4-BE49-F238E27FC236}">
+                <a16:creationId xmlns:a16="http://schemas.microsoft.com/office/drawing/2014/main" id="{8513CA97-719B-6501-CFB4-D73D96C2D7E7}"/>
+              </a:ext>
+            </a:extLst>
+          </p:cNvPr>
+          <p:cNvSpPr txBox="1"/>
+          <p:nvPr/>
+        </p:nvSpPr>
+        <p:spPr>
+          <a:xfrm>
+            <a:off x="9570658" y="2448038"/>
+            <a:ext cx="1274708" cy="246221"/>
+          </a:xfrm>
+          <a:prstGeom prst="rect">
+            <a:avLst/>
+          </a:prstGeom>
+          <a:noFill/>
+        </p:spPr>
+        <p:txBody>
+          <a:bodyPr wrap="none" rtlCol="0">
+            <a:spAutoFit/>
+          </a:bodyPr>
+          <a:lstStyle/>
+          <a:p>
+            <a:r>
+              <a:rPr lang="en-SG" sz="1000" dirty="0">
+                <a:solidFill>
+                  <a:srgbClr val="0070C0"/>
+                </a:solidFill>
+              </a:rPr>
+              <a:t>Chosen LLM model/s</a:t>
+            </a:r>
+          </a:p>
+        </p:txBody>
+      </p:sp>
+      <p:sp>
+        <p:nvSpPr>
+          <p:cNvPr id="77" name="Speech Bubble: Rectangle 76">
+            <a:extLst>
+              <a:ext uri="{FF2B5EF4-FFF2-40B4-BE49-F238E27FC236}">
+                <a16:creationId xmlns:a16="http://schemas.microsoft.com/office/drawing/2014/main" id="{A8FE44BC-8FB3-F57C-897A-58F5B93BA117}"/>
+              </a:ext>
+            </a:extLst>
+          </p:cNvPr>
+          <p:cNvSpPr/>
+          <p:nvPr/>
+        </p:nvSpPr>
+        <p:spPr>
+          <a:xfrm>
+            <a:off x="4835166" y="5570307"/>
+            <a:ext cx="3913788" cy="802338"/>
+          </a:xfrm>
+          <a:prstGeom prst="wedgeRectCallout">
+            <a:avLst>
+              <a:gd name="adj1" fmla="val -76804"/>
+              <a:gd name="adj2" fmla="val -14834"/>
+            </a:avLst>
+          </a:prstGeom>
+          <a:solidFill>
+            <a:schemeClr val="bg1">
+              <a:lumMod val="95000"/>
+            </a:schemeClr>
+          </a:solidFill>
+          <a:ln>
+            <a:prstDash val="lgDash"/>
+          </a:ln>
+        </p:spPr>
+        <p:style>
+          <a:lnRef idx="2">
+            <a:schemeClr val="accent1">
+              <a:shade val="50000"/>
+            </a:schemeClr>
+          </a:lnRef>
+          <a:fillRef idx="1">
+            <a:schemeClr val="accent1"/>
+          </a:fillRef>
+          <a:effectRef idx="0">
+            <a:schemeClr val="accent1"/>
+          </a:effectRef>
+          <a:fontRef idx="minor">
+            <a:schemeClr val="lt1"/>
+          </a:fontRef>
+        </p:style>
+        <p:txBody>
+          <a:bodyPr rtlCol="0" anchor="ctr"/>
+          <a:lstStyle/>
+          <a:p>
+            <a:pPr algn="ctr"/>
+            <a:endParaRPr lang="en-SG"/>
+          </a:p>
+        </p:txBody>
+      </p:sp>
+      <p:sp>
+        <p:nvSpPr>
+          <p:cNvPr id="78" name="TextBox 77">
+            <a:extLst>
+              <a:ext uri="{FF2B5EF4-FFF2-40B4-BE49-F238E27FC236}">
+                <a16:creationId xmlns:a16="http://schemas.microsoft.com/office/drawing/2014/main" id="{44AA254A-2026-7083-0DFD-24D101751ED6}"/>
+              </a:ext>
+            </a:extLst>
+          </p:cNvPr>
+          <p:cNvSpPr txBox="1"/>
+          <p:nvPr/>
+        </p:nvSpPr>
+        <p:spPr>
+          <a:xfrm>
+            <a:off x="4877060" y="5551830"/>
+            <a:ext cx="3871894" cy="830997"/>
+          </a:xfrm>
+          <a:prstGeom prst="rect">
+            <a:avLst/>
+          </a:prstGeom>
+          <a:noFill/>
+        </p:spPr>
+        <p:txBody>
+          <a:bodyPr wrap="square" rtlCol="0">
+            <a:spAutoFit/>
+          </a:bodyPr>
+          <a:lstStyle/>
+          <a:p>
+            <a:r>
+              <a:rPr lang="en-SG" sz="800" b="1" dirty="0"/>
+              <a:t>Example:</a:t>
+            </a:r>
+          </a:p>
+          <a:p>
+            <a:r>
+              <a:rPr lang="en-SG" sz="800" i="1" dirty="0"/>
+              <a:t>Input: What is the IBM Tech component supporting the requirement ‘REST API based integration between partner systems and the solution’</a:t>
+            </a:r>
+          </a:p>
+          <a:p>
+            <a:r>
+              <a:rPr lang="en-SG" sz="800" i="1" dirty="0"/>
+              <a:t>Output: IBM API Connect.  IBM APIC is an API Management Solution and provides the means to create, assemble, manage, secure and socialize APIs enabling REST based integrations.</a:t>
+            </a:r>
+          </a:p>
+        </p:txBody>
+      </p:sp>
+      <p:cxnSp>
+        <p:nvCxnSpPr>
+          <p:cNvPr id="79" name="Straight Arrow Connector 78">
+            <a:extLst>
+              <a:ext uri="{FF2B5EF4-FFF2-40B4-BE49-F238E27FC236}">
+                <a16:creationId xmlns:a16="http://schemas.microsoft.com/office/drawing/2014/main" id="{9D02A9B5-29B1-9744-B0E6-ABB370543894}"/>
+              </a:ext>
+            </a:extLst>
+          </p:cNvPr>
+          <p:cNvCxnSpPr>
+            <a:cxnSpLocks/>
+          </p:cNvCxnSpPr>
+          <p:nvPr/>
+        </p:nvCxnSpPr>
+        <p:spPr>
+          <a:xfrm flipH="1">
+            <a:off x="3974852" y="5036053"/>
+            <a:ext cx="902208" cy="0"/>
+          </a:xfrm>
+          <a:prstGeom prst="straightConnector1">
+            <a:avLst/>
+          </a:prstGeom>
+          <a:ln>
+            <a:solidFill>
+              <a:srgbClr val="00B050"/>
+            </a:solidFill>
+            <a:tailEnd type="triangle"/>
+          </a:ln>
+        </p:spPr>
+        <p:style>
+          <a:lnRef idx="1">
+            <a:schemeClr val="accent1"/>
+          </a:lnRef>
+          <a:fillRef idx="0">
+            <a:schemeClr val="accent1"/>
+          </a:fillRef>
+          <a:effectRef idx="0">
+            <a:schemeClr val="accent1"/>
+          </a:effectRef>
+          <a:fontRef idx="minor">
+            <a:schemeClr val="tx1"/>
+          </a:fontRef>
+        </p:style>
+      </p:cxnSp>
+      <p:cxnSp>
+        <p:nvCxnSpPr>
+          <p:cNvPr id="81" name="Straight Arrow Connector 80">
+            <a:extLst>
+              <a:ext uri="{FF2B5EF4-FFF2-40B4-BE49-F238E27FC236}">
+                <a16:creationId xmlns:a16="http://schemas.microsoft.com/office/drawing/2014/main" id="{E768F724-9D48-E71F-6DAC-E58EE42186A1}"/>
+              </a:ext>
+            </a:extLst>
+          </p:cNvPr>
+          <p:cNvCxnSpPr>
+            <a:cxnSpLocks/>
+          </p:cNvCxnSpPr>
+          <p:nvPr/>
+        </p:nvCxnSpPr>
+        <p:spPr>
+          <a:xfrm flipH="1">
+            <a:off x="6063916" y="5026815"/>
+            <a:ext cx="1756579" cy="0"/>
+          </a:xfrm>
+          <a:prstGeom prst="straightConnector1">
+            <a:avLst/>
+          </a:prstGeom>
+          <a:ln>
+            <a:solidFill>
+              <a:srgbClr val="00B050"/>
+            </a:solidFill>
+            <a:tailEnd type="triangle"/>
+          </a:ln>
+        </p:spPr>
+        <p:style>
+          <a:lnRef idx="1">
+            <a:schemeClr val="accent1"/>
+          </a:lnRef>
+          <a:fillRef idx="0">
+            <a:schemeClr val="accent1"/>
+          </a:fillRef>
+          <a:effectRef idx="0">
+            <a:schemeClr val="accent1"/>
+          </a:effectRef>
+          <a:fontRef idx="minor">
+            <a:schemeClr val="tx1"/>
+          </a:fontRef>
+        </p:style>
+      </p:cxnSp>
+      <p:sp>
+        <p:nvSpPr>
+          <p:cNvPr id="83" name="TextBox 82">
+            <a:extLst>
+              <a:ext uri="{FF2B5EF4-FFF2-40B4-BE49-F238E27FC236}">
+                <a16:creationId xmlns:a16="http://schemas.microsoft.com/office/drawing/2014/main" id="{4C901E33-1CB8-CEE3-E892-3CA47734D537}"/>
+              </a:ext>
+            </a:extLst>
+          </p:cNvPr>
+          <p:cNvSpPr txBox="1"/>
+          <p:nvPr/>
+        </p:nvSpPr>
+        <p:spPr>
+          <a:xfrm>
+            <a:off x="4211130" y="4415511"/>
+            <a:ext cx="530915" cy="246221"/>
+          </a:xfrm>
+          <a:prstGeom prst="rect">
+            <a:avLst/>
+          </a:prstGeom>
+          <a:noFill/>
+        </p:spPr>
+        <p:txBody>
+          <a:bodyPr wrap="none" rtlCol="0">
+            <a:spAutoFit/>
+          </a:bodyPr>
+          <a:lstStyle/>
+          <a:p>
+            <a:r>
+              <a:rPr lang="en-SG" sz="1000" i="1" dirty="0">
+                <a:solidFill>
+                  <a:srgbClr val="0070C0"/>
+                </a:solidFill>
+              </a:rPr>
+              <a:t>Create</a:t>
+            </a:r>
+          </a:p>
+        </p:txBody>
+      </p:sp>
+      <p:sp>
+        <p:nvSpPr>
+          <p:cNvPr id="84" name="TextBox 83">
+            <a:extLst>
+              <a:ext uri="{FF2B5EF4-FFF2-40B4-BE49-F238E27FC236}">
+                <a16:creationId xmlns:a16="http://schemas.microsoft.com/office/drawing/2014/main" id="{9EE45FF1-8DE1-0A4C-F023-1E7BA44E0EEB}"/>
+              </a:ext>
+            </a:extLst>
+          </p:cNvPr>
+          <p:cNvSpPr txBox="1"/>
+          <p:nvPr/>
+        </p:nvSpPr>
+        <p:spPr>
+          <a:xfrm>
+            <a:off x="6200795" y="4394977"/>
+            <a:ext cx="524503" cy="246221"/>
+          </a:xfrm>
+          <a:prstGeom prst="rect">
+            <a:avLst/>
+          </a:prstGeom>
+          <a:noFill/>
+        </p:spPr>
+        <p:txBody>
+          <a:bodyPr wrap="none" rtlCol="0">
+            <a:spAutoFit/>
+          </a:bodyPr>
+          <a:lstStyle/>
+          <a:p>
+            <a:r>
+              <a:rPr lang="en-SG" sz="1000" i="1" dirty="0">
+                <a:solidFill>
+                  <a:srgbClr val="0070C0"/>
+                </a:solidFill>
+              </a:rPr>
+              <a:t>Invoke</a:t>
+            </a:r>
+          </a:p>
+        </p:txBody>
+      </p:sp>
+      <p:sp>
+        <p:nvSpPr>
+          <p:cNvPr id="85" name="TextBox 84">
+            <a:extLst>
+              <a:ext uri="{FF2B5EF4-FFF2-40B4-BE49-F238E27FC236}">
+                <a16:creationId xmlns:a16="http://schemas.microsoft.com/office/drawing/2014/main" id="{E96CAC4F-CC6A-19C3-EE6A-CE325A0D69E4}"/>
+              </a:ext>
+            </a:extLst>
+          </p:cNvPr>
+          <p:cNvSpPr txBox="1"/>
+          <p:nvPr/>
+        </p:nvSpPr>
+        <p:spPr>
+          <a:xfrm>
+            <a:off x="9477171" y="4820239"/>
+            <a:ext cx="671979" cy="246221"/>
+          </a:xfrm>
+          <a:prstGeom prst="rect">
+            <a:avLst/>
+          </a:prstGeom>
+          <a:noFill/>
+        </p:spPr>
+        <p:txBody>
+          <a:bodyPr wrap="none" rtlCol="0">
+            <a:spAutoFit/>
+          </a:bodyPr>
+          <a:lstStyle/>
+          <a:p>
+            <a:r>
+              <a:rPr lang="en-SG" sz="1000" i="1" dirty="0">
+                <a:solidFill>
+                  <a:srgbClr val="00B050"/>
+                </a:solidFill>
+              </a:rPr>
+              <a:t>Response</a:t>
+            </a:r>
+          </a:p>
+        </p:txBody>
+      </p:sp>
+      <p:sp>
+        <p:nvSpPr>
+          <p:cNvPr id="86" name="TextBox 85">
+            <a:extLst>
+              <a:ext uri="{FF2B5EF4-FFF2-40B4-BE49-F238E27FC236}">
+                <a16:creationId xmlns:a16="http://schemas.microsoft.com/office/drawing/2014/main" id="{1A5C4FA6-EE8C-5BBF-3001-CF978BB9E3B4}"/>
+              </a:ext>
+            </a:extLst>
+          </p:cNvPr>
+          <p:cNvSpPr txBox="1"/>
+          <p:nvPr/>
+        </p:nvSpPr>
+        <p:spPr>
+          <a:xfrm>
+            <a:off x="6176233" y="4972040"/>
+            <a:ext cx="671979" cy="246221"/>
+          </a:xfrm>
+          <a:prstGeom prst="rect">
+            <a:avLst/>
+          </a:prstGeom>
+          <a:noFill/>
+        </p:spPr>
+        <p:txBody>
+          <a:bodyPr wrap="none" rtlCol="0">
+            <a:spAutoFit/>
+          </a:bodyPr>
+          <a:lstStyle/>
+          <a:p>
+            <a:r>
+              <a:rPr lang="en-SG" sz="1000" i="1" dirty="0">
+                <a:solidFill>
+                  <a:srgbClr val="00B050"/>
+                </a:solidFill>
+              </a:rPr>
+              <a:t>Response</a:t>
+            </a:r>
+          </a:p>
+        </p:txBody>
+      </p:sp>
+      <p:sp>
+        <p:nvSpPr>
+          <p:cNvPr id="87" name="TextBox 86">
+            <a:extLst>
+              <a:ext uri="{FF2B5EF4-FFF2-40B4-BE49-F238E27FC236}">
+                <a16:creationId xmlns:a16="http://schemas.microsoft.com/office/drawing/2014/main" id="{779B06C4-D055-8013-D82B-46BA502B0B5C}"/>
+              </a:ext>
+            </a:extLst>
+          </p:cNvPr>
+          <p:cNvSpPr txBox="1"/>
+          <p:nvPr/>
+        </p:nvSpPr>
+        <p:spPr>
+          <a:xfrm>
+            <a:off x="4208694" y="1697519"/>
+            <a:ext cx="1188719" cy="461665"/>
+          </a:xfrm>
+          <a:prstGeom prst="rect">
+            <a:avLst/>
+          </a:prstGeom>
+          <a:noFill/>
+        </p:spPr>
+        <p:txBody>
+          <a:bodyPr wrap="square" rtlCol="0">
+            <a:spAutoFit/>
+          </a:bodyPr>
+          <a:lstStyle/>
+          <a:p>
+            <a:pPr algn="ctr"/>
+            <a:r>
+              <a:rPr lang="en-SG" sz="800" i="1" dirty="0"/>
+              <a:t>Split the document in manageable chunks + Tokenize the chunks</a:t>
+            </a:r>
+          </a:p>
+        </p:txBody>
+      </p:sp>
+      <p:sp>
+        <p:nvSpPr>
+          <p:cNvPr id="89" name="TextBox 88">
+            <a:extLst>
+              <a:ext uri="{FF2B5EF4-FFF2-40B4-BE49-F238E27FC236}">
+                <a16:creationId xmlns:a16="http://schemas.microsoft.com/office/drawing/2014/main" id="{8A4BF280-2E44-F432-297E-F20B225BB832}"/>
+              </a:ext>
+            </a:extLst>
+          </p:cNvPr>
+          <p:cNvSpPr txBox="1"/>
+          <p:nvPr/>
+        </p:nvSpPr>
+        <p:spPr>
+          <a:xfrm>
+            <a:off x="8284724" y="3105831"/>
+            <a:ext cx="923572" cy="338554"/>
+          </a:xfrm>
+          <a:prstGeom prst="rect">
+            <a:avLst/>
+          </a:prstGeom>
+          <a:noFill/>
+        </p:spPr>
+        <p:txBody>
+          <a:bodyPr wrap="square" rtlCol="0">
+            <a:spAutoFit/>
+          </a:bodyPr>
+          <a:lstStyle/>
+          <a:p>
+            <a:pPr algn="ctr"/>
+            <a:r>
+              <a:rPr lang="en-SG" sz="800" i="1" dirty="0"/>
+              <a:t>Search &amp; Retrieve based on Query</a:t>
+            </a:r>
+          </a:p>
+        </p:txBody>
+      </p:sp>
+      <p:sp>
+        <p:nvSpPr>
+          <p:cNvPr id="90" name="TextBox 89">
+            <a:extLst>
+              <a:ext uri="{FF2B5EF4-FFF2-40B4-BE49-F238E27FC236}">
+                <a16:creationId xmlns:a16="http://schemas.microsoft.com/office/drawing/2014/main" id="{1AA6BDC1-DB51-F1B5-7BDC-A9D6C5F5A209}"/>
+              </a:ext>
+            </a:extLst>
+          </p:cNvPr>
+          <p:cNvSpPr txBox="1"/>
+          <p:nvPr/>
+        </p:nvSpPr>
+        <p:spPr>
+          <a:xfrm>
+            <a:off x="8746510" y="1950076"/>
+            <a:ext cx="923572" cy="461665"/>
+          </a:xfrm>
+          <a:prstGeom prst="rect">
+            <a:avLst/>
+          </a:prstGeom>
+          <a:noFill/>
+        </p:spPr>
+        <p:txBody>
+          <a:bodyPr wrap="square" rtlCol="0">
+            <a:spAutoFit/>
+          </a:bodyPr>
+          <a:lstStyle/>
+          <a:p>
+            <a:pPr algn="ctr"/>
+            <a:r>
+              <a:rPr lang="en-SG" sz="800" i="1" dirty="0"/>
+              <a:t>Augment searched result with context</a:t>
+            </a:r>
+          </a:p>
+        </p:txBody>
+      </p:sp>
+      <p:sp>
+        <p:nvSpPr>
+          <p:cNvPr id="91" name="TextBox 90">
+            <a:extLst>
+              <a:ext uri="{FF2B5EF4-FFF2-40B4-BE49-F238E27FC236}">
+                <a16:creationId xmlns:a16="http://schemas.microsoft.com/office/drawing/2014/main" id="{14A6A6EC-653D-A652-5351-5520E1702EE0}"/>
+              </a:ext>
+            </a:extLst>
+          </p:cNvPr>
+          <p:cNvSpPr txBox="1"/>
+          <p:nvPr/>
+        </p:nvSpPr>
+        <p:spPr>
+          <a:xfrm>
+            <a:off x="10168292" y="2728412"/>
+            <a:ext cx="923572" cy="584775"/>
+          </a:xfrm>
+          <a:prstGeom prst="rect">
+            <a:avLst/>
+          </a:prstGeom>
+          <a:noFill/>
+        </p:spPr>
+        <p:txBody>
+          <a:bodyPr wrap="square" rtlCol="0">
+            <a:spAutoFit/>
+          </a:bodyPr>
+          <a:lstStyle/>
+          <a:p>
+            <a:pPr algn="ctr"/>
+            <a:r>
+              <a:rPr lang="en-SG" sz="800" i="1" dirty="0"/>
+              <a:t>Create response –based on the query &amp; context.  Human readable</a:t>
             </a:r>
           </a:p>
         </p:txBody>
@@ -6523,7 +8976,7 @@
     </p:spTree>
     <p:extLst>
       <p:ext uri="{BB962C8B-B14F-4D97-AF65-F5344CB8AC3E}">
-        <p14:creationId xmlns:p14="http://schemas.microsoft.com/office/powerpoint/2010/main" val="3542861921"/>
+        <p14:creationId xmlns:p14="http://schemas.microsoft.com/office/powerpoint/2010/main" val="2977812527"/>
       </p:ext>
     </p:extLst>
   </p:cSld>
@@ -6555,7 +9008,7 @@
           <p:cNvPr id="2" name="Title 1">
             <a:extLst>
               <a:ext uri="{FF2B5EF4-FFF2-40B4-BE49-F238E27FC236}">
-                <a16:creationId xmlns:a16="http://schemas.microsoft.com/office/drawing/2014/main" id="{BF6B8AD3-DFFE-4FA7-F296-5DB7FD964CED}"/>
+                <a16:creationId xmlns:a16="http://schemas.microsoft.com/office/drawing/2014/main" id="{412BBDBD-55EA-6F8E-BF93-1661033BD4A3}"/>
               </a:ext>
             </a:extLst>
           </p:cNvPr>
@@ -6573,7 +9026,7 @@
           <a:p>
             <a:r>
               <a:rPr lang="en-US" dirty="0"/>
-              <a:t>Skills Required </a:t>
+              <a:t>Solution Components </a:t>
             </a:r>
           </a:p>
         </p:txBody>
@@ -6583,7 +9036,7 @@
           <p:cNvPr id="3" name="Content Placeholder 2">
             <a:extLst>
               <a:ext uri="{FF2B5EF4-FFF2-40B4-BE49-F238E27FC236}">
-                <a16:creationId xmlns:a16="http://schemas.microsoft.com/office/drawing/2014/main" id="{82103ABF-F546-9067-4F59-8E7155D7BE2C}"/>
+                <a16:creationId xmlns:a16="http://schemas.microsoft.com/office/drawing/2014/main" id="{446C5369-FCDF-55FC-5BC8-49F4E122F4D6}"/>
               </a:ext>
             </a:extLst>
           </p:cNvPr>
@@ -6601,48 +9054,39 @@
           <a:p>
             <a:r>
               <a:rPr lang="en-US" dirty="0"/>
-              <a:t>Watson Assistant </a:t>
+              <a:t>Github</a:t>
             </a:r>
           </a:p>
           <a:p>
             <a:r>
               <a:rPr lang="en-US" dirty="0"/>
-              <a:t>Python </a:t>
+              <a:t>WatsonX.AI  large language Models </a:t>
             </a:r>
           </a:p>
           <a:p>
             <a:r>
               <a:rPr lang="en-US" dirty="0"/>
-              <a:t>IBM Cloud – Hosting applications using Python Flask </a:t>
+              <a:t>IBM Openshift with Python runtime</a:t>
             </a:r>
           </a:p>
           <a:p>
             <a:r>
               <a:rPr lang="en-US" dirty="0"/>
-              <a:t>IBM and Redhat Products Knowledge for Gathering Data </a:t>
+              <a:t>Vector Database Chromadb</a:t>
             </a:r>
           </a:p>
           <a:p>
             <a:r>
               <a:rPr lang="en-US" dirty="0"/>
-              <a:t>WatsonX.AI with IBM/OpenSource LLMs </a:t>
-            </a:r>
-          </a:p>
-          <a:p>
-            <a:r>
-              <a:rPr lang="en-US" dirty="0"/>
-              <a:t>Git – Basics of git add , git commit , git push </a:t>
-            </a:r>
-          </a:p>
-          <a:p>
-            <a:endParaRPr lang="en-US" dirty="0"/>
+              <a:t>Watson Assistant  </a:t>
+            </a:r>
           </a:p>
         </p:txBody>
       </p:sp>
     </p:spTree>
     <p:extLst>
       <p:ext uri="{BB962C8B-B14F-4D97-AF65-F5344CB8AC3E}">
-        <p14:creationId xmlns:p14="http://schemas.microsoft.com/office/powerpoint/2010/main" val="2087821820"/>
+        <p14:creationId xmlns:p14="http://schemas.microsoft.com/office/powerpoint/2010/main" val="3542861921"/>
       </p:ext>
     </p:extLst>
   </p:cSld>
@@ -6674,7 +9118,7 @@
           <p:cNvPr id="2" name="Title 1">
             <a:extLst>
               <a:ext uri="{FF2B5EF4-FFF2-40B4-BE49-F238E27FC236}">
-                <a16:creationId xmlns:a16="http://schemas.microsoft.com/office/drawing/2014/main" id="{39C13EB7-0310-FCEA-B20C-CA7D2BE0AA07}"/>
+                <a16:creationId xmlns:a16="http://schemas.microsoft.com/office/drawing/2014/main" id="{BF6B8AD3-DFFE-4FA7-F296-5DB7FD964CED}"/>
               </a:ext>
             </a:extLst>
           </p:cNvPr>
@@ -6692,304 +9136,76 @@
           <a:p>
             <a:r>
               <a:rPr lang="en-US" dirty="0"/>
-              <a:t>Required Data Sets </a:t>
-            </a:r>
-          </a:p>
-        </p:txBody>
-      </p:sp>
-      <p:graphicFrame>
-        <p:nvGraphicFramePr>
-          <p:cNvPr id="4" name="Table 4">
-            <a:extLst>
-              <a:ext uri="{FF2B5EF4-FFF2-40B4-BE49-F238E27FC236}">
-                <a16:creationId xmlns:a16="http://schemas.microsoft.com/office/drawing/2014/main" id="{2AB04A90-4939-3020-0890-6F6BF6B71781}"/>
-              </a:ext>
-            </a:extLst>
-          </p:cNvPr>
-          <p:cNvGraphicFramePr>
-            <a:graphicFrameLocks noGrp="1"/>
-          </p:cNvGraphicFramePr>
+              <a:t>Skills Required </a:t>
+            </a:r>
+          </a:p>
+        </p:txBody>
+      </p:sp>
+      <p:sp>
+        <p:nvSpPr>
+          <p:cNvPr id="3" name="Content Placeholder 2">
+            <a:extLst>
+              <a:ext uri="{FF2B5EF4-FFF2-40B4-BE49-F238E27FC236}">
+                <a16:creationId xmlns:a16="http://schemas.microsoft.com/office/drawing/2014/main" id="{82103ABF-F546-9067-4F59-8E7155D7BE2C}"/>
+              </a:ext>
+            </a:extLst>
+          </p:cNvPr>
+          <p:cNvSpPr>
+            <a:spLocks noGrp="1"/>
+          </p:cNvSpPr>
           <p:nvPr>
             <p:ph idx="1"/>
           </p:nvPr>
-        </p:nvGraphicFramePr>
-        <p:xfrm>
-          <a:off x="838200" y="1825625"/>
-          <a:ext cx="10515597" cy="1854200"/>
-        </p:xfrm>
-        <a:graphic>
-          <a:graphicData uri="http://schemas.openxmlformats.org/drawingml/2006/table">
-            <a:tbl>
-              <a:tblPr firstRow="1" bandRow="1">
-                <a:tableStyleId>{5C22544A-7EE6-4342-B048-85BDC9FD1C3A}</a:tableStyleId>
-              </a:tblPr>
-              <a:tblGrid>
-                <a:gridCol w="3505199">
-                  <a:extLst>
-                    <a:ext uri="{9D8B030D-6E8A-4147-A177-3AD203B41FA5}">
-                      <a16:colId xmlns:a16="http://schemas.microsoft.com/office/drawing/2014/main" val="1536017576"/>
-                    </a:ext>
-                  </a:extLst>
-                </a:gridCol>
-                <a:gridCol w="3505199">
-                  <a:extLst>
-                    <a:ext uri="{9D8B030D-6E8A-4147-A177-3AD203B41FA5}">
-                      <a16:colId xmlns:a16="http://schemas.microsoft.com/office/drawing/2014/main" val="1224635500"/>
-                    </a:ext>
-                  </a:extLst>
-                </a:gridCol>
-                <a:gridCol w="3505199">
-                  <a:extLst>
-                    <a:ext uri="{9D8B030D-6E8A-4147-A177-3AD203B41FA5}">
-                      <a16:colId xmlns:a16="http://schemas.microsoft.com/office/drawing/2014/main" val="1382722508"/>
-                    </a:ext>
-                  </a:extLst>
-                </a:gridCol>
-              </a:tblGrid>
-              <a:tr h="370840">
-                <a:tc>
-                  <a:txBody>
-                    <a:bodyPr/>
-                    <a:lstStyle/>
-                    <a:p>
-                      <a:r>
-                        <a:rPr lang="en-SG" sz="1200" b="1" dirty="0">
-                          <a:effectLst/>
-                        </a:rPr>
-                        <a:t>Data Set</a:t>
-                      </a:r>
-                      <a:endParaRPr lang="en-SG" sz="1200" dirty="0">
-                        <a:effectLst/>
-                      </a:endParaRPr>
-                    </a:p>
-                  </a:txBody>
-                  <a:tcPr anchor="ctr"/>
-                </a:tc>
-                <a:tc>
-                  <a:txBody>
-                    <a:bodyPr/>
-                    <a:lstStyle/>
-                    <a:p>
-                      <a:r>
-                        <a:rPr lang="en-SG" sz="1200" b="1">
-                          <a:effectLst/>
-                        </a:rPr>
-                        <a:t>Source of Data</a:t>
-                      </a:r>
-                      <a:endParaRPr lang="en-SG" sz="1200">
-                        <a:effectLst/>
-                      </a:endParaRPr>
-                    </a:p>
-                  </a:txBody>
-                  <a:tcPr anchor="ctr"/>
-                </a:tc>
-                <a:tc>
-                  <a:txBody>
-                    <a:bodyPr/>
-                    <a:lstStyle/>
-                    <a:p>
-                      <a:r>
-                        <a:rPr lang="en-SG" sz="1200" b="1" dirty="0">
-                          <a:effectLst/>
-                        </a:rPr>
-                        <a:t>Do we have access? (Yes/No)</a:t>
-                      </a:r>
-                      <a:endParaRPr lang="en-SG" sz="1200" dirty="0">
-                        <a:effectLst/>
-                      </a:endParaRPr>
-                    </a:p>
-                  </a:txBody>
-                  <a:tcPr anchor="ctr"/>
-                </a:tc>
-                <a:extLst>
-                  <a:ext uri="{0D108BD9-81ED-4DB2-BD59-A6C34878D82A}">
-                    <a16:rowId xmlns:a16="http://schemas.microsoft.com/office/drawing/2014/main" val="2586304010"/>
-                  </a:ext>
-                </a:extLst>
-              </a:tr>
-              <a:tr h="370840">
-                <a:tc>
-                  <a:txBody>
-                    <a:bodyPr/>
-                    <a:lstStyle/>
-                    <a:p>
-                      <a:r>
-                        <a:rPr lang="en-US" dirty="0"/>
-                        <a:t>IBM Technology Products</a:t>
-                      </a:r>
-                    </a:p>
-                  </a:txBody>
-                  <a:tcPr/>
-                </a:tc>
-                <a:tc>
-                  <a:txBody>
-                    <a:bodyPr/>
-                    <a:lstStyle/>
-                    <a:p>
-                      <a:r>
-                        <a:rPr lang="en-US" dirty="0"/>
-                        <a:t>Seismic / IBM Websites </a:t>
-                      </a:r>
-                    </a:p>
-                  </a:txBody>
-                  <a:tcPr/>
-                </a:tc>
-                <a:tc>
-                  <a:txBody>
-                    <a:bodyPr/>
-                    <a:lstStyle/>
-                    <a:p>
-                      <a:r>
-                        <a:rPr lang="en-US" dirty="0"/>
-                        <a:t>Yes </a:t>
-                      </a:r>
-                    </a:p>
-                  </a:txBody>
-                  <a:tcPr/>
-                </a:tc>
-                <a:extLst>
-                  <a:ext uri="{0D108BD9-81ED-4DB2-BD59-A6C34878D82A}">
-                    <a16:rowId xmlns:a16="http://schemas.microsoft.com/office/drawing/2014/main" val="648500817"/>
-                  </a:ext>
-                </a:extLst>
-              </a:tr>
-              <a:tr h="370840">
-                <a:tc>
-                  <a:txBody>
-                    <a:bodyPr/>
-                    <a:lstStyle/>
-                    <a:p>
-                      <a:r>
-                        <a:rPr lang="en-US" dirty="0"/>
-                        <a:t>IBM Redhat Product </a:t>
-                      </a:r>
-                    </a:p>
-                  </a:txBody>
-                  <a:tcPr/>
-                </a:tc>
-                <a:tc>
-                  <a:txBody>
-                    <a:bodyPr/>
-                    <a:lstStyle/>
-                    <a:p>
-                      <a:r>
-                        <a:rPr lang="en-US" dirty="0"/>
-                        <a:t>Redhat Websites </a:t>
-                      </a:r>
-                    </a:p>
-                  </a:txBody>
-                  <a:tcPr/>
-                </a:tc>
-                <a:tc>
-                  <a:txBody>
-                    <a:bodyPr/>
-                    <a:lstStyle/>
-                    <a:p>
-                      <a:r>
-                        <a:rPr lang="en-US" dirty="0"/>
-                        <a:t>Yes </a:t>
-                      </a:r>
-                    </a:p>
-                  </a:txBody>
-                  <a:tcPr/>
-                </a:tc>
-                <a:extLst>
-                  <a:ext uri="{0D108BD9-81ED-4DB2-BD59-A6C34878D82A}">
-                    <a16:rowId xmlns:a16="http://schemas.microsoft.com/office/drawing/2014/main" val="1364641849"/>
-                  </a:ext>
-                </a:extLst>
-              </a:tr>
-              <a:tr h="370840">
-                <a:tc>
-                  <a:txBody>
-                    <a:bodyPr/>
-                    <a:lstStyle/>
-                    <a:p>
-                      <a:r>
-                        <a:rPr lang="en-US" dirty="0"/>
-                        <a:t>RFP Requirements </a:t>
-                      </a:r>
-                    </a:p>
-                  </a:txBody>
-                  <a:tcPr/>
-                </a:tc>
-                <a:tc>
-                  <a:txBody>
-                    <a:bodyPr/>
-                    <a:lstStyle/>
-                    <a:p>
-                      <a:r>
-                        <a:rPr lang="en-US" dirty="0"/>
-                        <a:t>Old Repository of RFP </a:t>
-                      </a:r>
-                    </a:p>
-                  </a:txBody>
-                  <a:tcPr/>
-                </a:tc>
-                <a:tc>
-                  <a:txBody>
-                    <a:bodyPr/>
-                    <a:lstStyle/>
-                    <a:p>
-                      <a:r>
-                        <a:rPr lang="en-US" dirty="0"/>
-                        <a:t>Yes</a:t>
-                      </a:r>
-                    </a:p>
-                  </a:txBody>
-                  <a:tcPr/>
-                </a:tc>
-                <a:extLst>
-                  <a:ext uri="{0D108BD9-81ED-4DB2-BD59-A6C34878D82A}">
-                    <a16:rowId xmlns:a16="http://schemas.microsoft.com/office/drawing/2014/main" val="2104158681"/>
-                  </a:ext>
-                </a:extLst>
-              </a:tr>
-              <a:tr h="370840">
-                <a:tc>
-                  <a:txBody>
-                    <a:bodyPr/>
-                    <a:lstStyle/>
-                    <a:p>
-                      <a:endParaRPr lang="en-US" dirty="0"/>
-                    </a:p>
-                  </a:txBody>
-                  <a:tcPr/>
-                </a:tc>
-                <a:tc>
-                  <a:txBody>
-                    <a:bodyPr/>
-                    <a:lstStyle/>
-                    <a:p>
-                      <a:endParaRPr lang="en-US"/>
-                    </a:p>
-                  </a:txBody>
-                  <a:tcPr/>
-                </a:tc>
-                <a:tc>
-                  <a:txBody>
-                    <a:bodyPr/>
-                    <a:lstStyle/>
-                    <a:p>
-                      <a:endParaRPr lang="en-US" dirty="0"/>
-                    </a:p>
-                  </a:txBody>
-                  <a:tcPr/>
-                </a:tc>
-                <a:extLst>
-                  <a:ext uri="{0D108BD9-81ED-4DB2-BD59-A6C34878D82A}">
-                    <a16:rowId xmlns:a16="http://schemas.microsoft.com/office/drawing/2014/main" val="1130652437"/>
-                  </a:ext>
-                </a:extLst>
-              </a:tr>
-            </a:tbl>
-          </a:graphicData>
-        </a:graphic>
-      </p:graphicFrame>
+        </p:nvSpPr>
+        <p:spPr/>
+        <p:txBody>
+          <a:bodyPr/>
+          <a:lstStyle/>
+          <a:p>
+            <a:r>
+              <a:rPr lang="en-US" dirty="0"/>
+              <a:t>Watson Assistant </a:t>
+            </a:r>
+          </a:p>
+          <a:p>
+            <a:r>
+              <a:rPr lang="en-US" dirty="0"/>
+              <a:t>Python </a:t>
+            </a:r>
+          </a:p>
+          <a:p>
+            <a:r>
+              <a:rPr lang="en-US" dirty="0"/>
+              <a:t>IBM Cloud – Hosting applications using Python Flask </a:t>
+            </a:r>
+          </a:p>
+          <a:p>
+            <a:r>
+              <a:rPr lang="en-US" dirty="0"/>
+              <a:t>IBM and Redhat Products Knowledge for Gathering Data </a:t>
+            </a:r>
+          </a:p>
+          <a:p>
+            <a:r>
+              <a:rPr lang="en-US" dirty="0"/>
+              <a:t>WatsonX.AI with IBM/OpenSource LLMs </a:t>
+            </a:r>
+          </a:p>
+          <a:p>
+            <a:r>
+              <a:rPr lang="en-US" dirty="0"/>
+              <a:t>Git – Basics of git add , git commit , git push </a:t>
+            </a:r>
+          </a:p>
+          <a:p>
+            <a:endParaRPr lang="en-US" dirty="0"/>
+          </a:p>
+        </p:txBody>
+      </p:sp>
     </p:spTree>
     <p:extLst>
       <p:ext uri="{BB962C8B-B14F-4D97-AF65-F5344CB8AC3E}">
-        <p14:creationId xmlns:p14="http://schemas.microsoft.com/office/powerpoint/2010/main" val="165866804"/>
+        <p14:creationId xmlns:p14="http://schemas.microsoft.com/office/powerpoint/2010/main" val="2087821820"/>
       </p:ext>
     </p:extLst>
   </p:cSld>
